--- a/presentations/IETF100/IETF100-SFC-IOAM.pptx
+++ b/presentations/IETF100/IETF100-SFC-IOAM.pptx
@@ -5,17 +5,18 @@
     <p:sldMasterId id="2147483700" r:id="rId1"/>
   </p:sldMasterIdLst>
   <p:notesMasterIdLst>
-    <p:notesMasterId r:id="rId7"/>
+    <p:notesMasterId r:id="rId8"/>
   </p:notesMasterIdLst>
   <p:handoutMasterIdLst>
-    <p:handoutMasterId r:id="rId8"/>
+    <p:handoutMasterId r:id="rId9"/>
   </p:handoutMasterIdLst>
   <p:sldIdLst>
     <p:sldId id="457" r:id="rId2"/>
     <p:sldId id="666" r:id="rId3"/>
     <p:sldId id="669" r:id="rId4"/>
     <p:sldId id="668" r:id="rId5"/>
-    <p:sldId id="665" r:id="rId6"/>
+    <p:sldId id="670" r:id="rId6"/>
+    <p:sldId id="665" r:id="rId7"/>
   </p:sldIdLst>
   <p:sldSz cx="9144000" cy="5143500" type="screen16x9"/>
   <p:notesSz cx="6858000" cy="9144000"/>
@@ -146,7 +147,7 @@
   </p:defaultTextStyle>
   <p:extLst>
     <p:ext uri="{EFAFB233-063F-42B5-8137-9DF3F51BA10A}">
-      <p15:sldGuideLst xmlns:p15="http://schemas.microsoft.com/office/powerpoint/2012/main">
+      <p15:sldGuideLst xmlns:p15="http://schemas.microsoft.com/office/powerpoint/2012/main" xmlns="">
         <p15:guide id="1" orient="horz" pos="307">
           <p15:clr>
             <a:srgbClr val="A4A3A4"/>
@@ -1569,7 +1570,7 @@
               </a14:hiddenLine>
             </a:ext>
             <a:ext uri="{FAA26D3D-D897-4be2-8F04-BA451C77F1D7}">
-              <ma14:placeholderFlag xmlns:ma14="http://schemas.microsoft.com/office/mac/drawingml/2011/main" xmlns="" val="1"/>
+              <ma14:placeholderFlag xmlns="" xmlns:ma14="http://schemas.microsoft.com/office/mac/drawingml/2011/main" val="1"/>
             </a:ext>
           </a:extLst>
         </p:spPr>
@@ -1964,7 +1965,7 @@
               </a14:hiddenLine>
             </a:ext>
             <a:ext uri="{FAA26D3D-D897-4be2-8F04-BA451C77F1D7}">
-              <ma14:placeholderFlag xmlns:ma14="http://schemas.microsoft.com/office/mac/drawingml/2011/main" xmlns="" val="1"/>
+              <ma14:placeholderFlag xmlns="" xmlns:ma14="http://schemas.microsoft.com/office/mac/drawingml/2011/main" val="1"/>
             </a:ext>
           </a:extLst>
         </p:spPr>
@@ -3627,7 +3628,7 @@
               </a14:hiddenLine>
             </a:ext>
             <a:ext uri="{FAA26D3D-D897-4be2-8F04-BA451C77F1D7}">
-              <ma14:placeholderFlag xmlns:ma14="http://schemas.microsoft.com/office/mac/drawingml/2011/main" xmlns="" val="1"/>
+              <ma14:placeholderFlag xmlns="" xmlns:ma14="http://schemas.microsoft.com/office/mac/drawingml/2011/main" val="1"/>
             </a:ext>
           </a:extLst>
         </p:spPr>
@@ -3722,7 +3723,7 @@
               </a14:hiddenLine>
             </a:ext>
             <a:ext uri="{FAA26D3D-D897-4be2-8F04-BA451C77F1D7}">
-              <ma14:placeholderFlag xmlns:ma14="http://schemas.microsoft.com/office/mac/drawingml/2011/main" xmlns="" val="1"/>
+              <ma14:placeholderFlag xmlns="" xmlns:ma14="http://schemas.microsoft.com/office/mac/drawingml/2011/main" val="1"/>
             </a:ext>
           </a:extLst>
         </p:spPr>
@@ -4256,7 +4257,7 @@
               </a14:hiddenLine>
             </a:ext>
             <a:ext uri="{FAA26D3D-D897-4be2-8F04-BA451C77F1D7}">
-              <ma14:placeholderFlag xmlns:ma14="http://schemas.microsoft.com/office/mac/drawingml/2011/main" xmlns="" val="1"/>
+              <ma14:placeholderFlag xmlns="" xmlns:ma14="http://schemas.microsoft.com/office/mac/drawingml/2011/main" val="1"/>
             </a:ext>
           </a:extLst>
         </p:spPr>
@@ -4466,7 +4467,7 @@
               </a14:hiddenLine>
             </a:ext>
             <a:ext uri="{FAA26D3D-D897-4be2-8F04-BA451C77F1D7}">
-              <ma14:placeholderFlag xmlns:ma14="http://schemas.microsoft.com/office/mac/drawingml/2011/main" xmlns="" val="1"/>
+              <ma14:placeholderFlag xmlns="" xmlns:ma14="http://schemas.microsoft.com/office/mac/drawingml/2011/main" val="1"/>
             </a:ext>
           </a:extLst>
         </p:spPr>
@@ -5037,7 +5038,7 @@
               </a14:hiddenLine>
             </a:ext>
             <a:ext uri="{FAA26D3D-D897-4be2-8F04-BA451C77F1D7}">
-              <ma14:placeholderFlag xmlns:ma14="http://schemas.microsoft.com/office/mac/drawingml/2011/main" xmlns="" val="1"/>
+              <ma14:placeholderFlag xmlns="" xmlns:ma14="http://schemas.microsoft.com/office/mac/drawingml/2011/main" val="1"/>
             </a:ext>
           </a:extLst>
         </p:spPr>
@@ -5257,7 +5258,7 @@
               </a14:hiddenLine>
             </a:ext>
             <a:ext uri="{FAA26D3D-D897-4be2-8F04-BA451C77F1D7}">
-              <ma14:placeholderFlag xmlns:ma14="http://schemas.microsoft.com/office/mac/drawingml/2011/main" xmlns="" val="1"/>
+              <ma14:placeholderFlag xmlns="" xmlns:ma14="http://schemas.microsoft.com/office/mac/drawingml/2011/main" val="1"/>
             </a:ext>
           </a:extLst>
         </p:spPr>
@@ -6107,7 +6108,7 @@
               </a14:hiddenLine>
             </a:ext>
             <a:ext uri="{FAA26D3D-D897-4be2-8F04-BA451C77F1D7}">
-              <ma14:placeholderFlag xmlns:ma14="http://schemas.microsoft.com/office/mac/drawingml/2011/main" xmlns="" val="1"/>
+              <ma14:placeholderFlag xmlns="" xmlns:ma14="http://schemas.microsoft.com/office/mac/drawingml/2011/main" val="1"/>
             </a:ext>
           </a:extLst>
         </p:spPr>
@@ -9715,7 +9716,7 @@
               </a14:hiddenLine>
             </a:ext>
             <a:ext uri="{FAA26D3D-D897-4be2-8F04-BA451C77F1D7}">
-              <ma14:placeholderFlag xmlns:ma14="http://schemas.microsoft.com/office/mac/drawingml/2011/main" xmlns="" val="1"/>
+              <ma14:placeholderFlag xmlns="" xmlns:ma14="http://schemas.microsoft.com/office/mac/drawingml/2011/main" val="1"/>
             </a:ext>
           </a:extLst>
         </p:spPr>
@@ -9931,7 +9932,7 @@
               </a14:hiddenLine>
             </a:ext>
             <a:ext uri="{FAA26D3D-D897-4be2-8F04-BA451C77F1D7}">
-              <ma14:placeholderFlag xmlns:ma14="http://schemas.microsoft.com/office/mac/drawingml/2011/main" xmlns="" val="1"/>
+              <ma14:placeholderFlag xmlns="" xmlns:ma14="http://schemas.microsoft.com/office/mac/drawingml/2011/main" val="1"/>
             </a:ext>
           </a:extLst>
         </p:spPr>
@@ -10147,7 +10148,7 @@
               </a14:hiddenLine>
             </a:ext>
             <a:ext uri="{FAA26D3D-D897-4be2-8F04-BA451C77F1D7}">
-              <ma14:placeholderFlag xmlns:ma14="http://schemas.microsoft.com/office/mac/drawingml/2011/main" xmlns="" val="1"/>
+              <ma14:placeholderFlag xmlns="" xmlns:ma14="http://schemas.microsoft.com/office/mac/drawingml/2011/main" val="1"/>
             </a:ext>
           </a:extLst>
         </p:spPr>
@@ -10558,7 +10559,7 @@
               </a14:hiddenLine>
             </a:ext>
             <a:ext uri="{FAA26D3D-D897-4be2-8F04-BA451C77F1D7}">
-              <ma14:placeholderFlag xmlns:ma14="http://schemas.microsoft.com/office/mac/drawingml/2011/main" xmlns="" val="1"/>
+              <ma14:placeholderFlag xmlns="" xmlns:ma14="http://schemas.microsoft.com/office/mac/drawingml/2011/main" val="1"/>
             </a:ext>
           </a:extLst>
         </p:spPr>
@@ -11264,17 +11265,7 @@
                   </a:schemeClr>
                 </a:solidFill>
               </a:rPr>
-              <a:t>In-situ OAM (IOAM) in </a:t>
-            </a:r>
-            <a:r>
-              <a:rPr lang="en-US" sz="3600" dirty="0" smtClean="0">
-                <a:solidFill>
-                  <a:schemeClr val="tx1">
-                    <a:lumMod val="50000"/>
-                  </a:schemeClr>
-                </a:solidFill>
-              </a:rPr>
-              <a:t>NSH</a:t>
+              <a:t>In-situ OAM (IOAM) in NSH</a:t>
             </a:r>
             <a:br>
               <a:rPr lang="en-US" sz="3600" dirty="0" smtClean="0">
@@ -11411,19 +11402,7 @@
             </a:br>
             <a:r>
               <a:rPr lang="en-US" sz="1200" dirty="0" smtClean="0"/>
-              <a:t>IETF 100 – </a:t>
-            </a:r>
-            <a:r>
-              <a:rPr lang="en-US" sz="1200" dirty="0" smtClean="0"/>
-              <a:t>SFC WG</a:t>
-            </a:r>
-            <a:r>
-              <a:rPr lang="en-US" sz="1200" dirty="0" smtClean="0"/>
-              <a:t>; November, </a:t>
-            </a:r>
-            <a:r>
-              <a:rPr lang="en-US" sz="1200" dirty="0" smtClean="0"/>
-              <a:t>2017</a:t>
+              <a:t>IETF 100 – SFC WG; November, 2017</a:t>
             </a:r>
             <a:endParaRPr lang="en-US" sz="1200" dirty="0"/>
           </a:p>
@@ -11904,13 +11883,6 @@
               </a:rPr>
               <a:t>..)</a:t>
             </a:r>
-            <a:endParaRPr lang="en-US" sz="1200" kern="0" dirty="0" smtClean="0">
-              <a:solidFill>
-                <a:srgbClr val="676767">
-                  <a:lumMod val="50000"/>
-                </a:srgbClr>
-              </a:solidFill>
-            </a:endParaRPr>
           </a:p>
           <a:p>
             <a:pPr lvl="1" indent="-185738" defTabSz="914400">
@@ -13700,15 +13672,7 @@
           <a:p>
             <a:r>
               <a:rPr lang="de-DE" dirty="0" smtClean="0"/>
-              <a:t>IOAM over </a:t>
-            </a:r>
-            <a:r>
-              <a:rPr lang="de-DE" dirty="0" smtClean="0"/>
-              <a:t>NSH </a:t>
-            </a:r>
-            <a:r>
-              <a:rPr lang="de-DE" dirty="0" smtClean="0"/>
-              <a:t/>
+              <a:t>IOAM over NSH </a:t>
             </a:r>
             <a:br>
               <a:rPr lang="de-DE" dirty="0" smtClean="0"/>
@@ -14103,17 +14067,7 @@
                   </a:srgbClr>
                 </a:solidFill>
               </a:rPr>
-              <a:t>NSH </a:t>
-            </a:r>
-            <a:r>
-              <a:rPr lang="en-US" sz="1400" kern="0" dirty="0" smtClean="0">
-                <a:solidFill>
-                  <a:srgbClr val="676767">
-                    <a:lumMod val="50000"/>
-                  </a:srgbClr>
-                </a:solidFill>
-              </a:rPr>
-              <a:t>header</a:t>
+              <a:t>NSH header</a:t>
             </a:r>
             <a:endParaRPr lang="de-DE" sz="1200" kern="0" dirty="0" smtClean="0">
               <a:solidFill>
@@ -14490,17 +14444,7 @@
                   </a:srgbClr>
                 </a:solidFill>
               </a:rPr>
-              <a:t>IOAM shim header for </a:t>
-            </a:r>
-            <a:r>
-              <a:rPr lang="en-US" sz="1400" kern="0" dirty="0" smtClean="0">
-                <a:solidFill>
-                  <a:srgbClr val="676767">
-                    <a:lumMod val="50000"/>
-                  </a:srgbClr>
-                </a:solidFill>
-              </a:rPr>
-              <a:t>NSH</a:t>
+              <a:t>IOAM shim header for NSH</a:t>
             </a:r>
             <a:endParaRPr lang="de-DE" sz="1100" kern="0" dirty="0" smtClean="0">
               <a:solidFill>
@@ -15211,8 +15155,8 @@
         </p:nvSpPr>
         <p:spPr>
           <a:xfrm>
-            <a:off x="462301" y="1173829"/>
-            <a:ext cx="5407701" cy="3168210"/>
+            <a:off x="462301" y="924445"/>
+            <a:ext cx="5876154" cy="3168210"/>
           </a:xfrm>
         </p:spPr>
         <p:txBody>
@@ -15479,67 +15423,27 @@
                   </a:schemeClr>
                 </a:solidFill>
               </a:rPr>
-              <a:t>“</a:t>
-            </a:r>
-            <a:r>
-              <a:rPr lang="en-US" sz="1200" dirty="0">
+              <a:t>“Next header” approach: </a:t>
+            </a:r>
+            <a:r>
+              <a:rPr lang="en-US" sz="1200" dirty="0" smtClean="0">
                 <a:solidFill>
                   <a:schemeClr val="tx1">
                     <a:lumMod val="50000"/>
                   </a:schemeClr>
                 </a:solidFill>
               </a:rPr>
-              <a:t>Next header” approach: </a:t>
-            </a:r>
-            <a:r>
-              <a:rPr lang="en-US" sz="1200" dirty="0" smtClean="0">
+              <a:t>Results </a:t>
+            </a:r>
+            <a:r>
+              <a:rPr lang="en-US" sz="1200" dirty="0">
                 <a:solidFill>
                   <a:schemeClr val="tx1">
                     <a:lumMod val="50000"/>
                   </a:schemeClr>
                 </a:solidFill>
               </a:rPr>
-              <a:t>Results </a:t>
-            </a:r>
-            <a:r>
-              <a:rPr lang="en-US" sz="1200" dirty="0">
-                <a:solidFill>
-                  <a:schemeClr val="tx1">
-                    <a:lumMod val="50000"/>
-                  </a:schemeClr>
-                </a:solidFill>
-              </a:rPr>
-              <a:t>in serial list of IOAM data categories. </a:t>
-            </a:r>
-            <a:r>
-              <a:rPr lang="en-US" sz="1200" dirty="0">
-                <a:solidFill>
-                  <a:schemeClr val="tx1">
-                    <a:lumMod val="50000"/>
-                  </a:schemeClr>
-                </a:solidFill>
-              </a:rPr>
-              <a:t>Avoids iterative lookups. Finding the L4 header requires parsing each header of the list</a:t>
-            </a:r>
-            <a:r>
-              <a:rPr lang="en-US" sz="1200" dirty="0">
-                <a:solidFill>
-                  <a:schemeClr val="tx1">
-                    <a:lumMod val="50000"/>
-                  </a:schemeClr>
-                </a:solidFill>
-              </a:rPr>
-              <a:t>. </a:t>
-            </a:r>
-            <a:r>
-              <a:rPr lang="en-US" sz="1200" dirty="0">
-                <a:solidFill>
-                  <a:schemeClr val="tx1">
-                    <a:lumMod val="50000"/>
-                  </a:schemeClr>
-                </a:solidFill>
-              </a:rPr>
-              <a:t>Current </a:t>
+              <a:t>in serial list of IOAM data categories. Avoids iterative lookups. Finding the L4 header requires parsing each header of the list. Current </a:t>
             </a:r>
             <a:r>
               <a:rPr lang="en-US" sz="1200" dirty="0" smtClean="0">
@@ -15639,7 +15543,48 @@
                   </a:schemeClr>
                 </a:solidFill>
               </a:rPr>
-              <a:t> data</a:t>
+              <a:t> </a:t>
+            </a:r>
+            <a:r>
+              <a:rPr lang="en-US" sz="1400" dirty="0" smtClean="0">
+                <a:solidFill>
+                  <a:schemeClr val="tx1">
+                    <a:lumMod val="50000"/>
+                  </a:schemeClr>
+                </a:solidFill>
+              </a:rPr>
+              <a:t>data</a:t>
+            </a:r>
+          </a:p>
+          <a:p>
+            <a:r>
+              <a:rPr lang="en-US" sz="1400" dirty="0" smtClean="0">
+                <a:solidFill>
+                  <a:schemeClr val="tx1">
+                    <a:lumMod val="50000"/>
+                  </a:schemeClr>
+                </a:solidFill>
+              </a:rPr>
+              <a:t>Setting the ‘O’ bit</a:t>
+            </a:r>
+            <a:br>
+              <a:rPr lang="en-US" sz="1400" dirty="0" smtClean="0">
+                <a:solidFill>
+                  <a:schemeClr val="tx1">
+                    <a:lumMod val="50000"/>
+                  </a:schemeClr>
+                </a:solidFill>
+              </a:rPr>
+            </a:br>
+            <a:r>
+              <a:rPr lang="en-US" sz="1400" dirty="0" smtClean="0">
+                <a:solidFill>
+                  <a:schemeClr val="tx1">
+                    <a:lumMod val="50000"/>
+                  </a:schemeClr>
+                </a:solidFill>
+              </a:rPr>
+              <a:t>Should the ‘O’ bit be set in packets that include IOAM metadata?</a:t>
             </a:r>
             <a:endParaRPr lang="de-DE" sz="1400" dirty="0">
               <a:solidFill>
@@ -15682,7 +15627,7 @@
         </p:nvGrpSpPr>
         <p:grpSpPr>
           <a:xfrm>
-            <a:off x="6265523" y="1767857"/>
+            <a:off x="6359042" y="1767857"/>
             <a:ext cx="2601133" cy="2135069"/>
             <a:chOff x="5940425" y="1745555"/>
             <a:chExt cx="2976092" cy="2442844"/>
@@ -16138,10 +16083,2493 @@
   <p:transition spd="med">
     <p:fade/>
   </p:transition>
+  <p:timing>
+    <p:tnLst>
+      <p:par>
+        <p:cTn id="1" dur="indefinite" restart="never" nodeType="tmRoot"/>
+      </p:par>
+    </p:tnLst>
+  </p:timing>
 </p:sld>
 </file>
 
 <file path=ppt/slides/slide5.xml><?xml version="1.0" encoding="utf-8"?>
+<p:sld xmlns:a="http://schemas.openxmlformats.org/drawingml/2006/main" xmlns:r="http://schemas.openxmlformats.org/officeDocument/2006/relationships" xmlns:p="http://schemas.openxmlformats.org/presentationml/2006/main">
+  <p:cSld>
+    <p:spTree>
+      <p:nvGrpSpPr>
+        <p:cNvPr id="1" name=""/>
+        <p:cNvGrpSpPr/>
+        <p:nvPr/>
+      </p:nvGrpSpPr>
+      <p:grpSpPr>
+        <a:xfrm>
+          <a:off x="0" y="0"/>
+          <a:ext cx="0" cy="0"/>
+          <a:chOff x="0" y="0"/>
+          <a:chExt cx="0" cy="0"/>
+        </a:xfrm>
+      </p:grpSpPr>
+      <p:sp>
+        <p:nvSpPr>
+          <p:cNvPr id="6" name="Text Placeholder 5"/>
+          <p:cNvSpPr>
+            <a:spLocks noGrp="1"/>
+          </p:cNvSpPr>
+          <p:nvPr>
+            <p:ph type="body" sz="quarter" idx="10"/>
+          </p:nvPr>
+        </p:nvSpPr>
+        <p:spPr>
+          <a:xfrm>
+            <a:off x="462301" y="1173829"/>
+            <a:ext cx="8263201" cy="3168210"/>
+          </a:xfrm>
+        </p:spPr>
+        <p:txBody>
+          <a:bodyPr/>
+          <a:lstStyle/>
+          <a:p>
+            <a:pPr marL="57136" indent="0">
+              <a:buNone/>
+            </a:pPr>
+            <a:r>
+              <a:rPr lang="en-US" sz="2400" dirty="0" smtClean="0">
+                <a:solidFill>
+                  <a:schemeClr val="accent1">
+                    <a:lumMod val="75000"/>
+                  </a:schemeClr>
+                </a:solidFill>
+              </a:rPr>
+              <a:t>How do we ensure the integrity of a path or service chain?</a:t>
+            </a:r>
+            <a:endParaRPr lang="de-DE" sz="2400" dirty="0">
+              <a:solidFill>
+                <a:schemeClr val="accent1">
+                  <a:lumMod val="75000"/>
+                </a:schemeClr>
+              </a:solidFill>
+            </a:endParaRPr>
+          </a:p>
+        </p:txBody>
+      </p:sp>
+      <p:sp>
+        <p:nvSpPr>
+          <p:cNvPr id="5" name="Title 4"/>
+          <p:cNvSpPr>
+            <a:spLocks noGrp="1"/>
+          </p:cNvSpPr>
+          <p:nvPr>
+            <p:ph type="title"/>
+          </p:nvPr>
+        </p:nvSpPr>
+        <p:spPr/>
+        <p:txBody>
+          <a:bodyPr/>
+          <a:lstStyle/>
+          <a:p>
+            <a:r>
+              <a:rPr lang="de-DE" dirty="0" smtClean="0"/>
+              <a:t>What about security?</a:t>
+            </a:r>
+            <a:endParaRPr lang="de-DE" dirty="0"/>
+          </a:p>
+        </p:txBody>
+      </p:sp>
+      <p:sp>
+        <p:nvSpPr>
+          <p:cNvPr id="15" name="Text Placeholder 72"/>
+          <p:cNvSpPr txBox="1">
+            <a:spLocks/>
+          </p:cNvSpPr>
+          <p:nvPr/>
+        </p:nvSpPr>
+        <p:spPr>
+          <a:xfrm>
+            <a:off x="461963" y="1825774"/>
+            <a:ext cx="4104378" cy="3168650"/>
+          </a:xfrm>
+          <a:prstGeom prst="rect">
+            <a:avLst/>
+          </a:prstGeom>
+        </p:spPr>
+        <p:txBody>
+          <a:bodyPr lIns="91420" tIns="45710" rIns="91420" bIns="45710">
+            <a:noAutofit/>
+          </a:bodyPr>
+          <a:lstStyle>
+            <a:lvl1pPr marL="280928" indent="-223792" algn="l" defTabSz="684213" rtl="0" eaLnBrk="1" fontAlgn="base" hangingPunct="1">
+              <a:lnSpc>
+                <a:spcPct val="95000"/>
+              </a:lnSpc>
+              <a:spcBef>
+                <a:spcPts val="1110"/>
+              </a:spcBef>
+              <a:spcAft>
+                <a:spcPct val="0"/>
+              </a:spcAft>
+              <a:buClr>
+                <a:schemeClr val="tx1"/>
+              </a:buClr>
+              <a:buSzPct val="80000"/>
+              <a:buFont typeface="Arial"/>
+              <a:buChar char="•"/>
+              <a:defRPr lang="en-US" sz="2000" b="0" i="0" kern="1200">
+                <a:solidFill>
+                  <a:srgbClr val="676767"/>
+                </a:solidFill>
+                <a:latin typeface="+mn-lt"/>
+                <a:ea typeface="ＭＳ Ｐゴシック" charset="0"/>
+                <a:cs typeface="CiscoSans ExtraLight"/>
+              </a:defRPr>
+            </a:lvl1pPr>
+            <a:lvl2pPr marL="507895" indent="-215855" algn="l" defTabSz="684213" rtl="0" eaLnBrk="1" fontAlgn="base" hangingPunct="1">
+              <a:lnSpc>
+                <a:spcPct val="95000"/>
+              </a:lnSpc>
+              <a:spcBef>
+                <a:spcPts val="450"/>
+              </a:spcBef>
+              <a:spcAft>
+                <a:spcPct val="0"/>
+              </a:spcAft>
+              <a:buClr>
+                <a:schemeClr val="tx1"/>
+              </a:buClr>
+              <a:buSzPct val="80000"/>
+              <a:buFont typeface="Arial"/>
+              <a:buChar char="•"/>
+              <a:defRPr lang="en-US" sz="1800" b="0" i="0" kern="1200">
+                <a:solidFill>
+                  <a:srgbClr val="676767"/>
+                </a:solidFill>
+                <a:latin typeface="+mn-lt"/>
+                <a:ea typeface="ＭＳ Ｐゴシック" charset="0"/>
+                <a:cs typeface="CiscoSans ExtraLight"/>
+              </a:defRPr>
+            </a:lvl2pPr>
+            <a:lvl3pPr marL="747558" indent="-171415" algn="l" defTabSz="684213" rtl="0" eaLnBrk="1" fontAlgn="base" hangingPunct="1">
+              <a:lnSpc>
+                <a:spcPct val="95000"/>
+              </a:lnSpc>
+              <a:spcBef>
+                <a:spcPts val="625"/>
+              </a:spcBef>
+              <a:spcAft>
+                <a:spcPct val="0"/>
+              </a:spcAft>
+              <a:buClr>
+                <a:schemeClr val="tx1"/>
+              </a:buClr>
+              <a:buSzPct val="80000"/>
+              <a:buFont typeface="Arial"/>
+              <a:buChar char="•"/>
+              <a:defRPr lang="en-US" sz="1600" b="0" i="0" kern="1200">
+                <a:solidFill>
+                  <a:srgbClr val="676767"/>
+                </a:solidFill>
+                <a:latin typeface="+mn-lt"/>
+                <a:ea typeface="ＭＳ Ｐゴシック" charset="0"/>
+                <a:cs typeface="CiscoSans ExtraLight"/>
+              </a:defRPr>
+            </a:lvl3pPr>
+            <a:lvl4pPr marL="911035" indent="-171415" algn="l" defTabSz="684213" rtl="0" eaLnBrk="1" fontAlgn="base" hangingPunct="1">
+              <a:lnSpc>
+                <a:spcPct val="95000"/>
+              </a:lnSpc>
+              <a:spcBef>
+                <a:spcPts val="625"/>
+              </a:spcBef>
+              <a:spcAft>
+                <a:spcPct val="0"/>
+              </a:spcAft>
+              <a:buClr>
+                <a:schemeClr val="tx1"/>
+              </a:buClr>
+              <a:buSzPct val="80000"/>
+              <a:buFont typeface="Arial"/>
+              <a:buChar char="•"/>
+              <a:defRPr lang="en-US" sz="1400" b="0" i="0" kern="1200">
+                <a:solidFill>
+                  <a:srgbClr val="676767"/>
+                </a:solidFill>
+                <a:latin typeface="+mn-lt"/>
+                <a:ea typeface="ＭＳ Ｐゴシック" charset="0"/>
+                <a:cs typeface="CiscoSans ExtraLight"/>
+              </a:defRPr>
+            </a:lvl4pPr>
+            <a:lvl5pPr marL="1082450" indent="-168240" algn="l" defTabSz="684213" rtl="0" eaLnBrk="1" fontAlgn="base" hangingPunct="1">
+              <a:lnSpc>
+                <a:spcPct val="95000"/>
+              </a:lnSpc>
+              <a:spcBef>
+                <a:spcPts val="625"/>
+              </a:spcBef>
+              <a:spcAft>
+                <a:spcPct val="0"/>
+              </a:spcAft>
+              <a:buClr>
+                <a:schemeClr val="tx1"/>
+              </a:buClr>
+              <a:buSzPct val="80000"/>
+              <a:buFont typeface="Arial"/>
+              <a:buChar char="•"/>
+              <a:defRPr lang="en-US" sz="1200" b="0" i="0" kern="1200">
+                <a:solidFill>
+                  <a:srgbClr val="676767"/>
+                </a:solidFill>
+                <a:latin typeface="+mn-lt"/>
+                <a:ea typeface="ＭＳ Ｐゴシック" charset="0"/>
+                <a:cs typeface="CiscoSans ExtraLight"/>
+              </a:defRPr>
+            </a:lvl5pPr>
+            <a:lvl6pPr marL="863856" indent="-171445" algn="l" defTabSz="685777" rtl="0" eaLnBrk="1" latinLnBrk="0" hangingPunct="1">
+              <a:spcBef>
+                <a:spcPts val="600"/>
+              </a:spcBef>
+              <a:buFont typeface="Arial" pitchFamily="34" charset="0"/>
+              <a:buChar char="•"/>
+              <a:defRPr sz="900" kern="1200" baseline="0">
+                <a:solidFill>
+                  <a:schemeClr val="tx1"/>
+                </a:solidFill>
+                <a:latin typeface="+mn-lt"/>
+                <a:ea typeface="+mn-ea"/>
+                <a:cs typeface="+mn-cs"/>
+              </a:defRPr>
+            </a:lvl6pPr>
+            <a:lvl7pPr marL="935844" indent="-171422" algn="l" defTabSz="685777" rtl="0" eaLnBrk="1" latinLnBrk="0" hangingPunct="1">
+              <a:spcBef>
+                <a:spcPts val="600"/>
+              </a:spcBef>
+              <a:buFont typeface="Arial" pitchFamily="34" charset="0"/>
+              <a:buChar char="•"/>
+              <a:defRPr sz="800" kern="1200" baseline="0">
+                <a:solidFill>
+                  <a:schemeClr val="tx1"/>
+                </a:solidFill>
+                <a:latin typeface="+mn-lt"/>
+                <a:ea typeface="+mn-ea"/>
+                <a:cs typeface="+mn-cs"/>
+              </a:defRPr>
+            </a:lvl7pPr>
+            <a:lvl8pPr marL="2400220" indent="0" algn="l" defTabSz="685777" rtl="0" eaLnBrk="1" latinLnBrk="0" hangingPunct="1">
+              <a:spcBef>
+                <a:spcPct val="20000"/>
+              </a:spcBef>
+              <a:buFont typeface="Arial" pitchFamily="34" charset="0"/>
+              <a:buNone/>
+              <a:defRPr sz="1500" kern="1200">
+                <a:solidFill>
+                  <a:schemeClr val="tx1"/>
+                </a:solidFill>
+                <a:latin typeface="+mn-lt"/>
+                <a:ea typeface="+mn-ea"/>
+                <a:cs typeface="+mn-cs"/>
+              </a:defRPr>
+            </a:lvl8pPr>
+            <a:lvl9pPr marL="2914553" indent="-171445" algn="l" defTabSz="685777" rtl="0" eaLnBrk="1" latinLnBrk="0" hangingPunct="1">
+              <a:spcBef>
+                <a:spcPct val="20000"/>
+              </a:spcBef>
+              <a:buFont typeface="Arial" pitchFamily="34" charset="0"/>
+              <a:buChar char="•"/>
+              <a:defRPr sz="1500" kern="1200">
+                <a:solidFill>
+                  <a:schemeClr val="tx1"/>
+                </a:solidFill>
+                <a:latin typeface="+mn-lt"/>
+                <a:ea typeface="+mn-ea"/>
+                <a:cs typeface="+mn-cs"/>
+              </a:defRPr>
+            </a:lvl9pPr>
+          </a:lstStyle>
+          <a:p>
+            <a:r>
+              <a:rPr lang="en-US" sz="1800" dirty="0" smtClean="0">
+                <a:solidFill>
+                  <a:schemeClr val="tx1">
+                    <a:lumMod val="50000"/>
+                  </a:schemeClr>
+                </a:solidFill>
+                <a:hlinkClick r:id="rId2"/>
+              </a:rPr>
+              <a:t>draft-brockners-proof-of-transit-04</a:t>
+            </a:r>
+            <a:endParaRPr lang="en-US" sz="1800" dirty="0">
+              <a:solidFill>
+                <a:schemeClr val="tx1">
+                  <a:lumMod val="50000"/>
+                </a:schemeClr>
+              </a:solidFill>
+            </a:endParaRPr>
+          </a:p>
+          <a:p>
+            <a:r>
+              <a:rPr lang="en-US" sz="1800" dirty="0" smtClean="0">
+                <a:solidFill>
+                  <a:schemeClr val="tx1">
+                    <a:lumMod val="50000"/>
+                  </a:schemeClr>
+                </a:solidFill>
+              </a:rPr>
+              <a:t>Meta-data added to all user traffic</a:t>
+            </a:r>
+          </a:p>
+          <a:p>
+            <a:pPr lvl="1"/>
+            <a:r>
+              <a:rPr lang="en-US" sz="1600" dirty="0" smtClean="0">
+                <a:solidFill>
+                  <a:schemeClr val="tx1">
+                    <a:lumMod val="50000"/>
+                  </a:schemeClr>
+                </a:solidFill>
+              </a:rPr>
+              <a:t>Based on “Share of a secret”</a:t>
+            </a:r>
+          </a:p>
+          <a:p>
+            <a:pPr lvl="1"/>
+            <a:r>
+              <a:rPr lang="en-US" sz="1600" dirty="0" smtClean="0">
+                <a:solidFill>
+                  <a:schemeClr val="tx1">
+                    <a:lumMod val="50000"/>
+                  </a:schemeClr>
+                </a:solidFill>
+              </a:rPr>
+              <a:t>Updated at every hop where</a:t>
+            </a:r>
+            <a:br>
+              <a:rPr lang="en-US" sz="1600" dirty="0" smtClean="0">
+                <a:solidFill>
+                  <a:schemeClr val="tx1">
+                    <a:lumMod val="50000"/>
+                  </a:schemeClr>
+                </a:solidFill>
+              </a:rPr>
+            </a:br>
+            <a:r>
+              <a:rPr lang="en-US" sz="1600" dirty="0" smtClean="0">
+                <a:solidFill>
+                  <a:schemeClr val="tx1">
+                    <a:lumMod val="50000"/>
+                  </a:schemeClr>
+                </a:solidFill>
+              </a:rPr>
+              <a:t>proof of transit is required</a:t>
+            </a:r>
+          </a:p>
+          <a:p>
+            <a:r>
+              <a:rPr lang="en-US" sz="1800" dirty="0" smtClean="0">
+                <a:solidFill>
+                  <a:schemeClr val="tx1">
+                    <a:lumMod val="50000"/>
+                  </a:schemeClr>
+                </a:solidFill>
+              </a:rPr>
+              <a:t>Verifier checks whether </a:t>
+            </a:r>
+            <a:br>
+              <a:rPr lang="en-US" sz="1800" dirty="0" smtClean="0">
+                <a:solidFill>
+                  <a:schemeClr val="tx1">
+                    <a:lumMod val="50000"/>
+                  </a:schemeClr>
+                </a:solidFill>
+              </a:rPr>
+            </a:br>
+            <a:r>
+              <a:rPr lang="en-US" sz="1800" dirty="0" smtClean="0">
+                <a:solidFill>
+                  <a:schemeClr val="tx1">
+                    <a:lumMod val="50000"/>
+                  </a:schemeClr>
+                </a:solidFill>
+              </a:rPr>
+              <a:t>collected meta-data allows </a:t>
+            </a:r>
+            <a:br>
+              <a:rPr lang="en-US" sz="1800" dirty="0" smtClean="0">
+                <a:solidFill>
+                  <a:schemeClr val="tx1">
+                    <a:lumMod val="50000"/>
+                  </a:schemeClr>
+                </a:solidFill>
+              </a:rPr>
+            </a:br>
+            <a:r>
+              <a:rPr lang="en-US" sz="1800" dirty="0" smtClean="0">
+                <a:solidFill>
+                  <a:schemeClr val="tx1">
+                    <a:lumMod val="50000"/>
+                  </a:schemeClr>
+                </a:solidFill>
+              </a:rPr>
+              <a:t>retrieval of secret</a:t>
+            </a:r>
+          </a:p>
+          <a:p>
+            <a:pPr lvl="1"/>
+            <a:r>
+              <a:rPr lang="en-US" sz="1600" dirty="0" smtClean="0">
+                <a:solidFill>
+                  <a:schemeClr val="tx1">
+                    <a:lumMod val="50000"/>
+                  </a:schemeClr>
+                </a:solidFill>
+              </a:rPr>
+              <a:t>“Proof of Transit”: Path verified</a:t>
+            </a:r>
+          </a:p>
+          <a:p>
+            <a:endParaRPr lang="en-US" sz="1800" dirty="0" smtClean="0">
+              <a:solidFill>
+                <a:schemeClr val="tx1">
+                  <a:lumMod val="50000"/>
+                </a:schemeClr>
+              </a:solidFill>
+            </a:endParaRPr>
+          </a:p>
+        </p:txBody>
+      </p:sp>
+      <p:sp>
+        <p:nvSpPr>
+          <p:cNvPr id="16" name="Rounded Rectangle 15"/>
+          <p:cNvSpPr/>
+          <p:nvPr/>
+        </p:nvSpPr>
+        <p:spPr bwMode="auto">
+          <a:xfrm>
+            <a:off x="4797107" y="1935051"/>
+            <a:ext cx="2936469" cy="543697"/>
+          </a:xfrm>
+          <a:prstGeom prst="roundRect">
+            <a:avLst/>
+          </a:prstGeom>
+          <a:solidFill>
+            <a:schemeClr val="bg1"/>
+          </a:solidFill>
+          <a:ln w="12700" cap="flat">
+            <a:solidFill>
+              <a:schemeClr val="bg1">
+                <a:lumMod val="65000"/>
+              </a:schemeClr>
+            </a:solidFill>
+            <a:miter lim="800000"/>
+            <a:headEnd type="none" w="med" len="med"/>
+            <a:tailEnd type="none" w="med" len="med"/>
+          </a:ln>
+        </p:spPr>
+        <p:txBody>
+          <a:bodyPr lIns="68580" tIns="34290" rIns="68580" bIns="34290" rtlCol="0" anchor="ctr"/>
+          <a:lstStyle/>
+          <a:p>
+            <a:pPr defTabSz="385763"/>
+            <a:r>
+              <a:rPr lang="en-US" sz="1400" dirty="0" smtClean="0">
+                <a:ea typeface="Arial" pitchFamily="-107" charset="0"/>
+                <a:cs typeface="Arial" pitchFamily="-107" charset="0"/>
+                <a:sym typeface="Arial" pitchFamily="-107" charset="0"/>
+              </a:rPr>
+              <a:t>  Controller</a:t>
+            </a:r>
+            <a:endParaRPr lang="en-US" sz="1400" dirty="0">
+              <a:ea typeface="Arial" pitchFamily="-107" charset="0"/>
+              <a:cs typeface="Arial" pitchFamily="-107" charset="0"/>
+              <a:sym typeface="Arial" pitchFamily="-107" charset="0"/>
+            </a:endParaRPr>
+          </a:p>
+        </p:txBody>
+      </p:sp>
+      <p:sp>
+        <p:nvSpPr>
+          <p:cNvPr id="20" name="Rounded Rectangle 19"/>
+          <p:cNvSpPr/>
+          <p:nvPr/>
+        </p:nvSpPr>
+        <p:spPr bwMode="auto">
+          <a:xfrm>
+            <a:off x="6020994" y="2012617"/>
+            <a:ext cx="1048825" cy="375483"/>
+          </a:xfrm>
+          <a:prstGeom prst="roundRect">
+            <a:avLst/>
+          </a:prstGeom>
+          <a:solidFill>
+            <a:schemeClr val="bg1">
+              <a:lumMod val="95000"/>
+            </a:schemeClr>
+          </a:solidFill>
+          <a:ln w="12700" cap="flat">
+            <a:solidFill>
+              <a:schemeClr val="bg1">
+                <a:lumMod val="65000"/>
+              </a:schemeClr>
+            </a:solidFill>
+            <a:miter lim="800000"/>
+            <a:headEnd type="none" w="med" len="med"/>
+            <a:tailEnd type="none" w="med" len="med"/>
+          </a:ln>
+        </p:spPr>
+        <p:txBody>
+          <a:bodyPr lIns="68580" tIns="34290" rIns="68580" bIns="34290" rtlCol="0" anchor="ctr"/>
+          <a:lstStyle/>
+          <a:p>
+            <a:r>
+              <a:rPr lang="de-DE" sz="1200"/>
+              <a:t>Secret</a:t>
+            </a:r>
+            <a:endParaRPr lang="en-US" sz="1200" dirty="0"/>
+          </a:p>
+        </p:txBody>
+      </p:sp>
+      <p:cxnSp>
+        <p:nvCxnSpPr>
+          <p:cNvPr id="21" name="Straight Connector 20"/>
+          <p:cNvCxnSpPr/>
+          <p:nvPr/>
+        </p:nvCxnSpPr>
+        <p:spPr>
+          <a:xfrm flipH="1">
+            <a:off x="7428516" y="3833027"/>
+            <a:ext cx="565298" cy="0"/>
+          </a:xfrm>
+          <a:prstGeom prst="line">
+            <a:avLst/>
+          </a:prstGeom>
+          <a:ln>
+            <a:solidFill>
+              <a:schemeClr val="tx1"/>
+            </a:solidFill>
+          </a:ln>
+        </p:spPr>
+        <p:style>
+          <a:lnRef idx="1">
+            <a:schemeClr val="accent1"/>
+          </a:lnRef>
+          <a:fillRef idx="0">
+            <a:schemeClr val="accent1"/>
+          </a:fillRef>
+          <a:effectRef idx="0">
+            <a:schemeClr val="accent1"/>
+          </a:effectRef>
+          <a:fontRef idx="minor">
+            <a:schemeClr val="tx1"/>
+          </a:fontRef>
+        </p:style>
+      </p:cxnSp>
+      <p:sp>
+        <p:nvSpPr>
+          <p:cNvPr id="22" name="Rounded Rectangle 21"/>
+          <p:cNvSpPr/>
+          <p:nvPr/>
+        </p:nvSpPr>
+        <p:spPr>
+          <a:xfrm>
+            <a:off x="7923122" y="3218895"/>
+            <a:ext cx="571614" cy="426014"/>
+          </a:xfrm>
+          <a:prstGeom prst="roundRect">
+            <a:avLst/>
+          </a:prstGeom>
+          <a:solidFill>
+            <a:schemeClr val="bg1"/>
+          </a:solidFill>
+          <a:ln w="6350" cap="flat">
+            <a:solidFill>
+              <a:schemeClr val="bg1">
+                <a:lumMod val="65000"/>
+              </a:schemeClr>
+            </a:solidFill>
+            <a:miter lim="800000"/>
+            <a:headEnd type="none" w="med" len="med"/>
+            <a:tailEnd type="none" w="med" len="med"/>
+          </a:ln>
+        </p:spPr>
+        <p:txBody>
+          <a:bodyPr lIns="68580" tIns="34290" rIns="68580" bIns="34290" rtlCol="0" anchor="ctr"/>
+          <a:lstStyle/>
+          <a:p>
+            <a:pPr algn="ctr" defTabSz="385763"/>
+            <a:endParaRPr lang="en-US" sz="1400">
+              <a:solidFill>
+                <a:schemeClr val="tx1"/>
+              </a:solidFill>
+              <a:ea typeface="Arial" pitchFamily="-107" charset="0"/>
+              <a:cs typeface="Arial" pitchFamily="-107" charset="0"/>
+            </a:endParaRPr>
+          </a:p>
+        </p:txBody>
+      </p:sp>
+      <p:cxnSp>
+        <p:nvCxnSpPr>
+          <p:cNvPr id="23" name="Straight Connector 22"/>
+          <p:cNvCxnSpPr>
+            <a:endCxn id="39" idx="0"/>
+          </p:cNvCxnSpPr>
+          <p:nvPr/>
+        </p:nvCxnSpPr>
+        <p:spPr>
+          <a:xfrm>
+            <a:off x="6408660" y="3477204"/>
+            <a:ext cx="928721" cy="260587"/>
+          </a:xfrm>
+          <a:prstGeom prst="line">
+            <a:avLst/>
+          </a:prstGeom>
+          <a:ln w="38100">
+            <a:solidFill>
+              <a:schemeClr val="tx1"/>
+            </a:solidFill>
+          </a:ln>
+        </p:spPr>
+        <p:style>
+          <a:lnRef idx="1">
+            <a:schemeClr val="accent1"/>
+          </a:lnRef>
+          <a:fillRef idx="0">
+            <a:schemeClr val="accent1"/>
+          </a:fillRef>
+          <a:effectRef idx="0">
+            <a:schemeClr val="accent1"/>
+          </a:effectRef>
+          <a:fontRef idx="minor">
+            <a:schemeClr val="tx1"/>
+          </a:fontRef>
+        </p:style>
+      </p:cxnSp>
+      <p:cxnSp>
+        <p:nvCxnSpPr>
+          <p:cNvPr id="24" name="Straight Connector 23"/>
+          <p:cNvCxnSpPr/>
+          <p:nvPr/>
+        </p:nvCxnSpPr>
+        <p:spPr>
+          <a:xfrm flipV="1">
+            <a:off x="5250040" y="3477204"/>
+            <a:ext cx="801918" cy="260587"/>
+          </a:xfrm>
+          <a:prstGeom prst="line">
+            <a:avLst/>
+          </a:prstGeom>
+          <a:ln w="38100">
+            <a:solidFill>
+              <a:schemeClr val="tx1"/>
+            </a:solidFill>
+          </a:ln>
+        </p:spPr>
+        <p:style>
+          <a:lnRef idx="1">
+            <a:schemeClr val="accent1"/>
+          </a:lnRef>
+          <a:fillRef idx="0">
+            <a:schemeClr val="accent1"/>
+          </a:fillRef>
+          <a:effectRef idx="0">
+            <a:schemeClr val="accent1"/>
+          </a:effectRef>
+          <a:fontRef idx="minor">
+            <a:schemeClr val="tx1"/>
+          </a:fontRef>
+        </p:style>
+      </p:cxnSp>
+      <p:cxnSp>
+        <p:nvCxnSpPr>
+          <p:cNvPr id="31" name="Straight Connector 30"/>
+          <p:cNvCxnSpPr/>
+          <p:nvPr/>
+        </p:nvCxnSpPr>
+        <p:spPr>
+          <a:xfrm flipH="1" flipV="1">
+            <a:off x="5250041" y="3867086"/>
+            <a:ext cx="797784" cy="344301"/>
+          </a:xfrm>
+          <a:prstGeom prst="line">
+            <a:avLst/>
+          </a:prstGeom>
+          <a:ln>
+            <a:solidFill>
+              <a:schemeClr val="tx1"/>
+            </a:solidFill>
+          </a:ln>
+        </p:spPr>
+        <p:style>
+          <a:lnRef idx="1">
+            <a:schemeClr val="accent1"/>
+          </a:lnRef>
+          <a:fillRef idx="0">
+            <a:schemeClr val="accent1"/>
+          </a:fillRef>
+          <a:effectRef idx="0">
+            <a:schemeClr val="accent1"/>
+          </a:effectRef>
+          <a:fontRef idx="minor">
+            <a:schemeClr val="tx1"/>
+          </a:fontRef>
+        </p:style>
+      </p:cxnSp>
+      <p:cxnSp>
+        <p:nvCxnSpPr>
+          <p:cNvPr id="32" name="Straight Connector 31"/>
+          <p:cNvCxnSpPr>
+            <a:stCxn id="39" idx="1"/>
+          </p:cNvCxnSpPr>
+          <p:nvPr/>
+        </p:nvCxnSpPr>
+        <p:spPr>
+          <a:xfrm flipH="1">
+            <a:off x="6340143" y="3880907"/>
+            <a:ext cx="857616" cy="330480"/>
+          </a:xfrm>
+          <a:prstGeom prst="line">
+            <a:avLst/>
+          </a:prstGeom>
+          <a:ln>
+            <a:solidFill>
+              <a:schemeClr val="tx1"/>
+            </a:solidFill>
+          </a:ln>
+        </p:spPr>
+        <p:style>
+          <a:lnRef idx="1">
+            <a:schemeClr val="accent1"/>
+          </a:lnRef>
+          <a:fillRef idx="0">
+            <a:schemeClr val="accent1"/>
+          </a:fillRef>
+          <a:effectRef idx="0">
+            <a:schemeClr val="accent1"/>
+          </a:effectRef>
+          <a:fontRef idx="minor">
+            <a:schemeClr val="tx1"/>
+          </a:fontRef>
+        </p:style>
+      </p:cxnSp>
+      <p:pic>
+        <p:nvPicPr>
+          <p:cNvPr id="33" name="Picture 2" descr="C:\Documents and Settings\rteligic\Desktop\Desktop_26Apr\desktop271211\cisco-prime\icons\Picture2.png"/>
+          <p:cNvPicPr>
+            <a:picLocks noChangeAspect="1" noChangeArrowheads="1"/>
+          </p:cNvPicPr>
+          <p:nvPr/>
+        </p:nvPicPr>
+        <p:blipFill>
+          <a:blip r:embed="rId3" cstate="print">
+            <a:duotone>
+              <a:schemeClr val="accent6">
+                <a:shade val="45000"/>
+                <a:satMod val="135000"/>
+              </a:schemeClr>
+              <a:prstClr val="white"/>
+            </a:duotone>
+            <a:extLst>
+              <a:ext uri="{BEBA8EAE-BF5A-486C-A8C5-ECC9F3942E4B}">
+                <a14:imgProps xmlns:a14="http://schemas.microsoft.com/office/drawing/2010/main">
+                  <a14:imgLayer r:embed="rId4">
+                    <a14:imgEffect>
+                      <a14:colorTemperature colorTemp="11200"/>
+                    </a14:imgEffect>
+                    <a14:imgEffect>
+                      <a14:saturation sat="400000"/>
+                    </a14:imgEffect>
+                  </a14:imgLayer>
+                </a14:imgProps>
+              </a:ext>
+              <a:ext uri="{28A0092B-C50C-407E-A947-70E740481C1C}">
+                <a14:useLocalDpi xmlns:a14="http://schemas.microsoft.com/office/drawing/2010/main" val="0"/>
+              </a:ext>
+            </a:extLst>
+          </a:blip>
+          <a:srcRect/>
+          <a:stretch>
+            <a:fillRect/>
+          </a:stretch>
+        </p:blipFill>
+        <p:spPr bwMode="auto">
+          <a:xfrm>
+            <a:off x="6944851" y="3477204"/>
+            <a:ext cx="788726" cy="617643"/>
+          </a:xfrm>
+          <a:prstGeom prst="rect">
+            <a:avLst/>
+          </a:prstGeom>
+          <a:noFill/>
+        </p:spPr>
+      </p:pic>
+      <p:pic>
+        <p:nvPicPr>
+          <p:cNvPr id="34" name="Picture 2" descr="C:\Documents and Settings\rteligic\Desktop\Desktop_26Apr\desktop271211\cisco-prime\icons\Picture2.png"/>
+          <p:cNvPicPr>
+            <a:picLocks noChangeAspect="1" noChangeArrowheads="1"/>
+          </p:cNvPicPr>
+          <p:nvPr/>
+        </p:nvPicPr>
+        <p:blipFill>
+          <a:blip r:embed="rId5" cstate="print">
+            <a:duotone>
+              <a:schemeClr val="bg2">
+                <a:shade val="45000"/>
+                <a:satMod val="135000"/>
+              </a:schemeClr>
+              <a:prstClr val="white"/>
+            </a:duotone>
+            <a:extLst>
+              <a:ext uri="{BEBA8EAE-BF5A-486C-A8C5-ECC9F3942E4B}">
+                <a14:imgProps xmlns:a14="http://schemas.microsoft.com/office/drawing/2010/main">
+                  <a14:imgLayer r:embed="rId4">
+                    <a14:imgEffect>
+                      <a14:saturation sat="400000"/>
+                    </a14:imgEffect>
+                  </a14:imgLayer>
+                </a14:imgProps>
+              </a:ext>
+              <a:ext uri="{28A0092B-C50C-407E-A947-70E740481C1C}">
+                <a14:useLocalDpi xmlns:a14="http://schemas.microsoft.com/office/drawing/2010/main" val="0"/>
+              </a:ext>
+            </a:extLst>
+          </a:blip>
+          <a:srcRect/>
+          <a:stretch>
+            <a:fillRect/>
+          </a:stretch>
+        </p:blipFill>
+        <p:spPr bwMode="auto">
+          <a:xfrm>
+            <a:off x="5793818" y="3852227"/>
+            <a:ext cx="788726" cy="617643"/>
+          </a:xfrm>
+          <a:prstGeom prst="rect">
+            <a:avLst/>
+          </a:prstGeom>
+          <a:noFill/>
+        </p:spPr>
+      </p:pic>
+      <p:pic>
+        <p:nvPicPr>
+          <p:cNvPr id="35" name="Picture 2" descr="C:\Documents and Settings\rteligic\Desktop\Desktop_26Apr\desktop271211\cisco-prime\icons\Picture2.png"/>
+          <p:cNvPicPr>
+            <a:picLocks noChangeAspect="1" noChangeArrowheads="1"/>
+          </p:cNvPicPr>
+          <p:nvPr/>
+        </p:nvPicPr>
+        <p:blipFill>
+          <a:blip r:embed="rId6" cstate="print">
+            <a:duotone>
+              <a:schemeClr val="accent1">
+                <a:shade val="45000"/>
+                <a:satMod val="135000"/>
+              </a:schemeClr>
+              <a:prstClr val="white"/>
+            </a:duotone>
+            <a:extLst>
+              <a:ext uri="{28A0092B-C50C-407E-A947-70E740481C1C}">
+                <a14:useLocalDpi xmlns:a14="http://schemas.microsoft.com/office/drawing/2010/main" val="0"/>
+              </a:ext>
+            </a:extLst>
+          </a:blip>
+          <a:srcRect/>
+          <a:stretch>
+            <a:fillRect/>
+          </a:stretch>
+        </p:blipFill>
+        <p:spPr bwMode="auto">
+          <a:xfrm>
+            <a:off x="5877444" y="3126442"/>
+            <a:ext cx="788726" cy="617643"/>
+          </a:xfrm>
+          <a:prstGeom prst="rect">
+            <a:avLst/>
+          </a:prstGeom>
+          <a:noFill/>
+        </p:spPr>
+      </p:pic>
+      <p:sp>
+        <p:nvSpPr>
+          <p:cNvPr id="36" name="TextBox 35"/>
+          <p:cNvSpPr txBox="1"/>
+          <p:nvPr/>
+        </p:nvSpPr>
+        <p:spPr>
+          <a:xfrm>
+            <a:off x="6051958" y="4116113"/>
+            <a:ext cx="284052" cy="286232"/>
+          </a:xfrm>
+          <a:prstGeom prst="rect">
+            <a:avLst/>
+          </a:prstGeom>
+          <a:noFill/>
+        </p:spPr>
+        <p:txBody>
+          <a:bodyPr wrap="none" rtlCol="0">
+            <a:spAutoFit/>
+          </a:bodyPr>
+          <a:lstStyle/>
+          <a:p>
+            <a:pPr algn="ctr">
+              <a:lnSpc>
+                <a:spcPct val="90000"/>
+              </a:lnSpc>
+              <a:spcBef>
+                <a:spcPts val="600"/>
+              </a:spcBef>
+            </a:pPr>
+            <a:r>
+              <a:rPr lang="en-US" sz="1400" b="1" dirty="0" smtClean="0"/>
+              <a:t>X</a:t>
+            </a:r>
+          </a:p>
+        </p:txBody>
+      </p:sp>
+      <p:pic>
+        <p:nvPicPr>
+          <p:cNvPr id="37" name="Picture 2" descr="C:\Documents and Settings\rteligic\Desktop\Desktop_26Apr\desktop271211\cisco-prime\icons\Picture2.png"/>
+          <p:cNvPicPr>
+            <a:picLocks noChangeAspect="1" noChangeArrowheads="1"/>
+          </p:cNvPicPr>
+          <p:nvPr/>
+        </p:nvPicPr>
+        <p:blipFill>
+          <a:blip r:embed="rId5" cstate="print">
+            <a:duotone>
+              <a:schemeClr val="accent3">
+                <a:shade val="45000"/>
+                <a:satMod val="135000"/>
+              </a:schemeClr>
+              <a:prstClr val="white"/>
+            </a:duotone>
+            <a:extLst>
+              <a:ext uri="{BEBA8EAE-BF5A-486C-A8C5-ECC9F3942E4B}">
+                <a14:imgProps xmlns:a14="http://schemas.microsoft.com/office/drawing/2010/main">
+                  <a14:imgLayer r:embed="rId4">
+                    <a14:imgEffect>
+                      <a14:saturation sat="400000"/>
+                    </a14:imgEffect>
+                  </a14:imgLayer>
+                </a14:imgProps>
+              </a:ext>
+              <a:ext uri="{28A0092B-C50C-407E-A947-70E740481C1C}">
+                <a14:useLocalDpi xmlns:a14="http://schemas.microsoft.com/office/drawing/2010/main" val="0"/>
+              </a:ext>
+            </a:extLst>
+          </a:blip>
+          <a:srcRect/>
+          <a:stretch>
+            <a:fillRect/>
+          </a:stretch>
+        </p:blipFill>
+        <p:spPr bwMode="auto">
+          <a:xfrm>
+            <a:off x="4724517" y="3458710"/>
+            <a:ext cx="791250" cy="619620"/>
+          </a:xfrm>
+          <a:prstGeom prst="rect">
+            <a:avLst/>
+          </a:prstGeom>
+          <a:noFill/>
+        </p:spPr>
+      </p:pic>
+      <p:sp>
+        <p:nvSpPr>
+          <p:cNvPr id="38" name="TextBox 37"/>
+          <p:cNvSpPr txBox="1"/>
+          <p:nvPr/>
+        </p:nvSpPr>
+        <p:spPr>
+          <a:xfrm>
+            <a:off x="6127776" y="3389398"/>
+            <a:ext cx="285656" cy="286232"/>
+          </a:xfrm>
+          <a:prstGeom prst="rect">
+            <a:avLst/>
+          </a:prstGeom>
+          <a:noFill/>
+        </p:spPr>
+        <p:txBody>
+          <a:bodyPr wrap="none" rtlCol="0">
+            <a:spAutoFit/>
+          </a:bodyPr>
+          <a:lstStyle/>
+          <a:p>
+            <a:pPr algn="ctr">
+              <a:lnSpc>
+                <a:spcPct val="90000"/>
+              </a:lnSpc>
+              <a:spcBef>
+                <a:spcPts val="600"/>
+              </a:spcBef>
+            </a:pPr>
+            <a:r>
+              <a:rPr lang="en-US" sz="1400" b="1" dirty="0" smtClean="0">
+                <a:solidFill>
+                  <a:schemeClr val="bg1"/>
+                </a:solidFill>
+              </a:rPr>
+              <a:t>B</a:t>
+            </a:r>
+          </a:p>
+        </p:txBody>
+      </p:sp>
+      <p:sp>
+        <p:nvSpPr>
+          <p:cNvPr id="39" name="TextBox 38"/>
+          <p:cNvSpPr txBox="1"/>
+          <p:nvPr/>
+        </p:nvSpPr>
+        <p:spPr>
+          <a:xfrm>
+            <a:off x="7197759" y="3737791"/>
+            <a:ext cx="279244" cy="286232"/>
+          </a:xfrm>
+          <a:prstGeom prst="rect">
+            <a:avLst/>
+          </a:prstGeom>
+          <a:noFill/>
+        </p:spPr>
+        <p:txBody>
+          <a:bodyPr wrap="none" rtlCol="0">
+            <a:spAutoFit/>
+          </a:bodyPr>
+          <a:lstStyle/>
+          <a:p>
+            <a:pPr algn="ctr">
+              <a:lnSpc>
+                <a:spcPct val="90000"/>
+              </a:lnSpc>
+              <a:spcBef>
+                <a:spcPts val="600"/>
+              </a:spcBef>
+            </a:pPr>
+            <a:r>
+              <a:rPr lang="en-US" sz="1400" b="1" dirty="0" smtClean="0">
+                <a:solidFill>
+                  <a:schemeClr val="bg1"/>
+                </a:solidFill>
+              </a:rPr>
+              <a:t>C</a:t>
+            </a:r>
+          </a:p>
+        </p:txBody>
+      </p:sp>
+      <p:sp>
+        <p:nvSpPr>
+          <p:cNvPr id="40" name="TextBox 39"/>
+          <p:cNvSpPr txBox="1"/>
+          <p:nvPr/>
+        </p:nvSpPr>
+        <p:spPr>
+          <a:xfrm>
+            <a:off x="4987792" y="3721383"/>
+            <a:ext cx="293670" cy="286232"/>
+          </a:xfrm>
+          <a:prstGeom prst="rect">
+            <a:avLst/>
+          </a:prstGeom>
+          <a:noFill/>
+        </p:spPr>
+        <p:txBody>
+          <a:bodyPr wrap="none" rtlCol="0">
+            <a:spAutoFit/>
+          </a:bodyPr>
+          <a:lstStyle/>
+          <a:p>
+            <a:pPr algn="ctr">
+              <a:lnSpc>
+                <a:spcPct val="90000"/>
+              </a:lnSpc>
+              <a:spcBef>
+                <a:spcPts val="600"/>
+              </a:spcBef>
+            </a:pPr>
+            <a:r>
+              <a:rPr lang="en-US" sz="1400" b="1" dirty="0" smtClean="0">
+                <a:solidFill>
+                  <a:schemeClr val="bg1"/>
+                </a:solidFill>
+              </a:rPr>
+              <a:t>A</a:t>
+            </a:r>
+          </a:p>
+        </p:txBody>
+      </p:sp>
+      <p:cxnSp>
+        <p:nvCxnSpPr>
+          <p:cNvPr id="41" name="Straight Arrow Connector 40"/>
+          <p:cNvCxnSpPr/>
+          <p:nvPr/>
+        </p:nvCxnSpPr>
+        <p:spPr>
+          <a:xfrm>
+            <a:off x="5121427" y="2513216"/>
+            <a:ext cx="0" cy="1081064"/>
+          </a:xfrm>
+          <a:prstGeom prst="straightConnector1">
+            <a:avLst/>
+          </a:prstGeom>
+          <a:ln>
+            <a:tailEnd type="triangle"/>
+          </a:ln>
+        </p:spPr>
+        <p:style>
+          <a:lnRef idx="1">
+            <a:schemeClr val="accent1"/>
+          </a:lnRef>
+          <a:fillRef idx="0">
+            <a:schemeClr val="accent1"/>
+          </a:fillRef>
+          <a:effectRef idx="0">
+            <a:schemeClr val="accent1"/>
+          </a:effectRef>
+          <a:fontRef idx="minor">
+            <a:schemeClr val="tx1"/>
+          </a:fontRef>
+        </p:style>
+      </p:cxnSp>
+      <p:cxnSp>
+        <p:nvCxnSpPr>
+          <p:cNvPr id="42" name="Straight Arrow Connector 41"/>
+          <p:cNvCxnSpPr/>
+          <p:nvPr/>
+        </p:nvCxnSpPr>
+        <p:spPr>
+          <a:xfrm>
+            <a:off x="6270058" y="2513216"/>
+            <a:ext cx="0" cy="743231"/>
+          </a:xfrm>
+          <a:prstGeom prst="straightConnector1">
+            <a:avLst/>
+          </a:prstGeom>
+          <a:ln>
+            <a:tailEnd type="triangle"/>
+          </a:ln>
+        </p:spPr>
+        <p:style>
+          <a:lnRef idx="1">
+            <a:schemeClr val="accent1"/>
+          </a:lnRef>
+          <a:fillRef idx="0">
+            <a:schemeClr val="accent1"/>
+          </a:fillRef>
+          <a:effectRef idx="0">
+            <a:schemeClr val="accent1"/>
+          </a:effectRef>
+          <a:fontRef idx="minor">
+            <a:schemeClr val="tx1"/>
+          </a:fontRef>
+        </p:style>
+      </p:cxnSp>
+      <p:cxnSp>
+        <p:nvCxnSpPr>
+          <p:cNvPr id="43" name="Straight Arrow Connector 42"/>
+          <p:cNvCxnSpPr/>
+          <p:nvPr/>
+        </p:nvCxnSpPr>
+        <p:spPr>
+          <a:xfrm>
+            <a:off x="7355626" y="2513216"/>
+            <a:ext cx="0" cy="1081064"/>
+          </a:xfrm>
+          <a:prstGeom prst="straightConnector1">
+            <a:avLst/>
+          </a:prstGeom>
+          <a:ln>
+            <a:tailEnd type="triangle"/>
+          </a:ln>
+        </p:spPr>
+        <p:style>
+          <a:lnRef idx="1">
+            <a:schemeClr val="accent1"/>
+          </a:lnRef>
+          <a:fillRef idx="0">
+            <a:schemeClr val="accent1"/>
+          </a:fillRef>
+          <a:effectRef idx="0">
+            <a:schemeClr val="accent1"/>
+          </a:effectRef>
+          <a:fontRef idx="minor">
+            <a:schemeClr val="tx1"/>
+          </a:fontRef>
+        </p:style>
+      </p:cxnSp>
+      <p:sp>
+        <p:nvSpPr>
+          <p:cNvPr id="44" name="Pie 43"/>
+          <p:cNvSpPr/>
+          <p:nvPr/>
+        </p:nvSpPr>
+        <p:spPr>
+          <a:xfrm>
+            <a:off x="8032061" y="3319125"/>
+            <a:ext cx="255794" cy="255794"/>
+          </a:xfrm>
+          <a:prstGeom prst="pie">
+            <a:avLst>
+              <a:gd name="adj1" fmla="val 8820141"/>
+              <a:gd name="adj2" fmla="val 16200000"/>
+            </a:avLst>
+          </a:prstGeom>
+          <a:solidFill>
+            <a:schemeClr val="accent1">
+              <a:lumMod val="60000"/>
+              <a:lumOff val="40000"/>
+            </a:schemeClr>
+          </a:solidFill>
+          <a:ln w="6350">
+            <a:solidFill>
+              <a:schemeClr val="bg1">
+                <a:lumMod val="85000"/>
+              </a:schemeClr>
+            </a:solidFill>
+          </a:ln>
+        </p:spPr>
+        <p:style>
+          <a:lnRef idx="2">
+            <a:schemeClr val="accent1">
+              <a:shade val="50000"/>
+            </a:schemeClr>
+          </a:lnRef>
+          <a:fillRef idx="1">
+            <a:schemeClr val="accent1"/>
+          </a:fillRef>
+          <a:effectRef idx="0">
+            <a:schemeClr val="accent1"/>
+          </a:effectRef>
+          <a:fontRef idx="minor">
+            <a:schemeClr val="lt1"/>
+          </a:fontRef>
+        </p:style>
+        <p:txBody>
+          <a:bodyPr rtlCol="0" anchor="ctr"/>
+          <a:lstStyle/>
+          <a:p>
+            <a:pPr algn="ctr"/>
+            <a:endParaRPr lang="en-US">
+              <a:solidFill>
+                <a:schemeClr val="tx1"/>
+              </a:solidFill>
+            </a:endParaRPr>
+          </a:p>
+        </p:txBody>
+      </p:sp>
+      <p:sp>
+        <p:nvSpPr>
+          <p:cNvPr id="45" name="Pie 44"/>
+          <p:cNvSpPr/>
+          <p:nvPr/>
+        </p:nvSpPr>
+        <p:spPr>
+          <a:xfrm>
+            <a:off x="8032061" y="3319125"/>
+            <a:ext cx="255794" cy="255794"/>
+          </a:xfrm>
+          <a:prstGeom prst="pie">
+            <a:avLst>
+              <a:gd name="adj1" fmla="val 1686096"/>
+              <a:gd name="adj2" fmla="val 8757892"/>
+            </a:avLst>
+          </a:prstGeom>
+          <a:solidFill>
+            <a:srgbClr val="FF0000"/>
+          </a:solidFill>
+          <a:ln w="6350">
+            <a:solidFill>
+              <a:schemeClr val="bg1">
+                <a:lumMod val="85000"/>
+              </a:schemeClr>
+            </a:solidFill>
+          </a:ln>
+        </p:spPr>
+        <p:style>
+          <a:lnRef idx="2">
+            <a:schemeClr val="accent1">
+              <a:shade val="50000"/>
+            </a:schemeClr>
+          </a:lnRef>
+          <a:fillRef idx="1">
+            <a:schemeClr val="accent1"/>
+          </a:fillRef>
+          <a:effectRef idx="0">
+            <a:schemeClr val="accent1"/>
+          </a:effectRef>
+          <a:fontRef idx="minor">
+            <a:schemeClr val="lt1"/>
+          </a:fontRef>
+        </p:style>
+        <p:txBody>
+          <a:bodyPr rtlCol="0" anchor="ctr"/>
+          <a:lstStyle/>
+          <a:p>
+            <a:pPr algn="ctr"/>
+            <a:endParaRPr lang="en-US">
+              <a:solidFill>
+                <a:schemeClr val="tx1"/>
+              </a:solidFill>
+            </a:endParaRPr>
+          </a:p>
+        </p:txBody>
+      </p:sp>
+      <p:sp>
+        <p:nvSpPr>
+          <p:cNvPr id="46" name="Pie 45"/>
+          <p:cNvSpPr/>
+          <p:nvPr/>
+        </p:nvSpPr>
+        <p:spPr>
+          <a:xfrm>
+            <a:off x="8032061" y="3319125"/>
+            <a:ext cx="255794" cy="255794"/>
+          </a:xfrm>
+          <a:prstGeom prst="pie">
+            <a:avLst>
+              <a:gd name="adj1" fmla="val 16231550"/>
+              <a:gd name="adj2" fmla="val 1645439"/>
+            </a:avLst>
+          </a:prstGeom>
+          <a:solidFill>
+            <a:schemeClr val="accent4"/>
+          </a:solidFill>
+          <a:ln w="6350">
+            <a:solidFill>
+              <a:schemeClr val="bg1">
+                <a:lumMod val="85000"/>
+              </a:schemeClr>
+            </a:solidFill>
+          </a:ln>
+        </p:spPr>
+        <p:style>
+          <a:lnRef idx="2">
+            <a:schemeClr val="accent1">
+              <a:shade val="50000"/>
+            </a:schemeClr>
+          </a:lnRef>
+          <a:fillRef idx="1">
+            <a:schemeClr val="accent1"/>
+          </a:fillRef>
+          <a:effectRef idx="0">
+            <a:schemeClr val="accent1"/>
+          </a:effectRef>
+          <a:fontRef idx="minor">
+            <a:schemeClr val="lt1"/>
+          </a:fontRef>
+        </p:style>
+        <p:txBody>
+          <a:bodyPr rtlCol="0" anchor="ctr"/>
+          <a:lstStyle/>
+          <a:p>
+            <a:pPr algn="ctr"/>
+            <a:endParaRPr lang="en-US">
+              <a:solidFill>
+                <a:schemeClr val="tx1"/>
+              </a:solidFill>
+            </a:endParaRPr>
+          </a:p>
+        </p:txBody>
+      </p:sp>
+      <p:sp>
+        <p:nvSpPr>
+          <p:cNvPr id="47" name="Rounded Rectangle 46"/>
+          <p:cNvSpPr/>
+          <p:nvPr/>
+        </p:nvSpPr>
+        <p:spPr>
+          <a:xfrm>
+            <a:off x="4838322" y="2677831"/>
+            <a:ext cx="571614" cy="426014"/>
+          </a:xfrm>
+          <a:prstGeom prst="roundRect">
+            <a:avLst/>
+          </a:prstGeom>
+          <a:solidFill>
+            <a:schemeClr val="tx1">
+              <a:lumMod val="65000"/>
+              <a:lumOff val="35000"/>
+            </a:schemeClr>
+          </a:solidFill>
+          <a:ln w="6350" cap="flat">
+            <a:solidFill>
+              <a:schemeClr val="bg1">
+                <a:lumMod val="75000"/>
+              </a:schemeClr>
+            </a:solidFill>
+            <a:miter lim="800000"/>
+            <a:headEnd type="none" w="med" len="med"/>
+            <a:tailEnd type="none" w="med" len="med"/>
+          </a:ln>
+        </p:spPr>
+        <p:txBody>
+          <a:bodyPr lIns="68580" tIns="34290" rIns="68580" bIns="34290" rtlCol="0" anchor="ctr"/>
+          <a:lstStyle/>
+          <a:p>
+            <a:pPr algn="ctr" defTabSz="385763"/>
+            <a:endParaRPr lang="en-US" sz="1400">
+              <a:solidFill>
+                <a:schemeClr val="tx1"/>
+              </a:solidFill>
+              <a:ea typeface="Arial" pitchFamily="-107" charset="0"/>
+              <a:cs typeface="Arial" pitchFamily="-107" charset="0"/>
+            </a:endParaRPr>
+          </a:p>
+        </p:txBody>
+      </p:sp>
+      <p:sp>
+        <p:nvSpPr>
+          <p:cNvPr id="48" name="Rounded Rectangle 47"/>
+          <p:cNvSpPr/>
+          <p:nvPr/>
+        </p:nvSpPr>
+        <p:spPr>
+          <a:xfrm>
+            <a:off x="5979534" y="2677831"/>
+            <a:ext cx="571614" cy="426014"/>
+          </a:xfrm>
+          <a:prstGeom prst="roundRect">
+            <a:avLst/>
+          </a:prstGeom>
+          <a:solidFill>
+            <a:schemeClr val="tx1">
+              <a:lumMod val="65000"/>
+              <a:lumOff val="35000"/>
+            </a:schemeClr>
+          </a:solidFill>
+          <a:ln w="6350" cap="flat">
+            <a:solidFill>
+              <a:schemeClr val="bg1">
+                <a:lumMod val="75000"/>
+              </a:schemeClr>
+            </a:solidFill>
+            <a:miter lim="800000"/>
+            <a:headEnd type="none" w="med" len="med"/>
+            <a:tailEnd type="none" w="med" len="med"/>
+          </a:ln>
+        </p:spPr>
+        <p:txBody>
+          <a:bodyPr lIns="68580" tIns="34290" rIns="68580" bIns="34290" rtlCol="0" anchor="ctr"/>
+          <a:lstStyle/>
+          <a:p>
+            <a:pPr algn="ctr" defTabSz="385763"/>
+            <a:endParaRPr lang="en-US" sz="1400">
+              <a:solidFill>
+                <a:schemeClr val="tx1"/>
+              </a:solidFill>
+              <a:ea typeface="Arial" pitchFamily="-107" charset="0"/>
+              <a:cs typeface="Arial" pitchFamily="-107" charset="0"/>
+            </a:endParaRPr>
+          </a:p>
+        </p:txBody>
+      </p:sp>
+      <p:sp>
+        <p:nvSpPr>
+          <p:cNvPr id="49" name="Rounded Rectangle 48"/>
+          <p:cNvSpPr/>
+          <p:nvPr/>
+        </p:nvSpPr>
+        <p:spPr>
+          <a:xfrm>
+            <a:off x="7069819" y="2677831"/>
+            <a:ext cx="571614" cy="426014"/>
+          </a:xfrm>
+          <a:prstGeom prst="roundRect">
+            <a:avLst/>
+          </a:prstGeom>
+          <a:solidFill>
+            <a:schemeClr val="tx1">
+              <a:lumMod val="65000"/>
+              <a:lumOff val="35000"/>
+            </a:schemeClr>
+          </a:solidFill>
+          <a:ln w="6350" cap="flat">
+            <a:solidFill>
+              <a:schemeClr val="bg1">
+                <a:lumMod val="75000"/>
+              </a:schemeClr>
+            </a:solidFill>
+            <a:miter lim="800000"/>
+            <a:headEnd type="none" w="med" len="med"/>
+            <a:tailEnd type="none" w="med" len="med"/>
+          </a:ln>
+        </p:spPr>
+        <p:txBody>
+          <a:bodyPr lIns="68580" tIns="34290" rIns="68580" bIns="34290" rtlCol="0" anchor="ctr"/>
+          <a:lstStyle/>
+          <a:p>
+            <a:pPr algn="ctr" defTabSz="385763"/>
+            <a:endParaRPr lang="en-US" sz="1400">
+              <a:solidFill>
+                <a:schemeClr val="tx1"/>
+              </a:solidFill>
+              <a:ea typeface="Arial" pitchFamily="-107" charset="0"/>
+              <a:cs typeface="Arial" pitchFamily="-107" charset="0"/>
+            </a:endParaRPr>
+          </a:p>
+        </p:txBody>
+      </p:sp>
+      <p:sp>
+        <p:nvSpPr>
+          <p:cNvPr id="50" name="Pie 49"/>
+          <p:cNvSpPr/>
+          <p:nvPr/>
+        </p:nvSpPr>
+        <p:spPr>
+          <a:xfrm>
+            <a:off x="6749388" y="2075135"/>
+            <a:ext cx="255794" cy="255794"/>
+          </a:xfrm>
+          <a:prstGeom prst="pie">
+            <a:avLst>
+              <a:gd name="adj1" fmla="val 8820141"/>
+              <a:gd name="adj2" fmla="val 16200000"/>
+            </a:avLst>
+          </a:prstGeom>
+          <a:solidFill>
+            <a:schemeClr val="accent1">
+              <a:lumMod val="60000"/>
+              <a:lumOff val="40000"/>
+            </a:schemeClr>
+          </a:solidFill>
+          <a:ln w="6350">
+            <a:solidFill>
+              <a:schemeClr val="bg1">
+                <a:lumMod val="85000"/>
+              </a:schemeClr>
+            </a:solidFill>
+          </a:ln>
+        </p:spPr>
+        <p:style>
+          <a:lnRef idx="2">
+            <a:schemeClr val="accent1">
+              <a:shade val="50000"/>
+            </a:schemeClr>
+          </a:lnRef>
+          <a:fillRef idx="1">
+            <a:schemeClr val="accent1"/>
+          </a:fillRef>
+          <a:effectRef idx="0">
+            <a:schemeClr val="accent1"/>
+          </a:effectRef>
+          <a:fontRef idx="minor">
+            <a:schemeClr val="lt1"/>
+          </a:fontRef>
+        </p:style>
+        <p:txBody>
+          <a:bodyPr rtlCol="0" anchor="ctr"/>
+          <a:lstStyle/>
+          <a:p>
+            <a:pPr algn="ctr"/>
+            <a:endParaRPr lang="en-US">
+              <a:solidFill>
+                <a:schemeClr val="tx1"/>
+              </a:solidFill>
+            </a:endParaRPr>
+          </a:p>
+        </p:txBody>
+      </p:sp>
+      <p:sp>
+        <p:nvSpPr>
+          <p:cNvPr id="51" name="Pie 50"/>
+          <p:cNvSpPr/>
+          <p:nvPr/>
+        </p:nvSpPr>
+        <p:spPr>
+          <a:xfrm>
+            <a:off x="6749388" y="2075135"/>
+            <a:ext cx="255794" cy="255794"/>
+          </a:xfrm>
+          <a:prstGeom prst="pie">
+            <a:avLst>
+              <a:gd name="adj1" fmla="val 1686096"/>
+              <a:gd name="adj2" fmla="val 8757892"/>
+            </a:avLst>
+          </a:prstGeom>
+          <a:solidFill>
+            <a:srgbClr val="FF0000"/>
+          </a:solidFill>
+          <a:ln w="6350">
+            <a:solidFill>
+              <a:schemeClr val="bg1">
+                <a:lumMod val="85000"/>
+              </a:schemeClr>
+            </a:solidFill>
+          </a:ln>
+        </p:spPr>
+        <p:style>
+          <a:lnRef idx="2">
+            <a:schemeClr val="accent1">
+              <a:shade val="50000"/>
+            </a:schemeClr>
+          </a:lnRef>
+          <a:fillRef idx="1">
+            <a:schemeClr val="accent1"/>
+          </a:fillRef>
+          <a:effectRef idx="0">
+            <a:schemeClr val="accent1"/>
+          </a:effectRef>
+          <a:fontRef idx="minor">
+            <a:schemeClr val="lt1"/>
+          </a:fontRef>
+        </p:style>
+        <p:txBody>
+          <a:bodyPr rtlCol="0" anchor="ctr"/>
+          <a:lstStyle/>
+          <a:p>
+            <a:pPr algn="ctr"/>
+            <a:endParaRPr lang="en-US">
+              <a:solidFill>
+                <a:schemeClr val="tx1"/>
+              </a:solidFill>
+            </a:endParaRPr>
+          </a:p>
+        </p:txBody>
+      </p:sp>
+      <p:sp>
+        <p:nvSpPr>
+          <p:cNvPr id="52" name="Pie 51"/>
+          <p:cNvSpPr/>
+          <p:nvPr/>
+        </p:nvSpPr>
+        <p:spPr>
+          <a:xfrm>
+            <a:off x="6749388" y="2075135"/>
+            <a:ext cx="255794" cy="255794"/>
+          </a:xfrm>
+          <a:prstGeom prst="pie">
+            <a:avLst>
+              <a:gd name="adj1" fmla="val 16231550"/>
+              <a:gd name="adj2" fmla="val 1645439"/>
+            </a:avLst>
+          </a:prstGeom>
+          <a:solidFill>
+            <a:schemeClr val="accent4"/>
+          </a:solidFill>
+          <a:ln w="6350">
+            <a:solidFill>
+              <a:schemeClr val="bg1">
+                <a:lumMod val="85000"/>
+              </a:schemeClr>
+            </a:solidFill>
+          </a:ln>
+        </p:spPr>
+        <p:style>
+          <a:lnRef idx="2">
+            <a:schemeClr val="accent1">
+              <a:shade val="50000"/>
+            </a:schemeClr>
+          </a:lnRef>
+          <a:fillRef idx="1">
+            <a:schemeClr val="accent1"/>
+          </a:fillRef>
+          <a:effectRef idx="0">
+            <a:schemeClr val="accent1"/>
+          </a:effectRef>
+          <a:fontRef idx="minor">
+            <a:schemeClr val="lt1"/>
+          </a:fontRef>
+        </p:style>
+        <p:txBody>
+          <a:bodyPr rtlCol="0" anchor="ctr"/>
+          <a:lstStyle/>
+          <a:p>
+            <a:pPr algn="ctr"/>
+            <a:endParaRPr lang="en-US">
+              <a:solidFill>
+                <a:schemeClr val="tx1"/>
+              </a:solidFill>
+            </a:endParaRPr>
+          </a:p>
+        </p:txBody>
+      </p:sp>
+      <p:sp>
+        <p:nvSpPr>
+          <p:cNvPr id="53" name="Pie 52"/>
+          <p:cNvSpPr/>
+          <p:nvPr/>
+        </p:nvSpPr>
+        <p:spPr>
+          <a:xfrm>
+            <a:off x="4791877" y="2718423"/>
+            <a:ext cx="442039" cy="442039"/>
+          </a:xfrm>
+          <a:prstGeom prst="pie">
+            <a:avLst>
+              <a:gd name="adj1" fmla="val 16231550"/>
+              <a:gd name="adj2" fmla="val 1645439"/>
+            </a:avLst>
+          </a:prstGeom>
+          <a:solidFill>
+            <a:schemeClr val="accent4"/>
+          </a:solidFill>
+          <a:ln w="6350">
+            <a:solidFill>
+              <a:schemeClr val="bg1">
+                <a:lumMod val="85000"/>
+              </a:schemeClr>
+            </a:solidFill>
+          </a:ln>
+        </p:spPr>
+        <p:style>
+          <a:lnRef idx="2">
+            <a:schemeClr val="accent1">
+              <a:shade val="50000"/>
+            </a:schemeClr>
+          </a:lnRef>
+          <a:fillRef idx="1">
+            <a:schemeClr val="accent1"/>
+          </a:fillRef>
+          <a:effectRef idx="0">
+            <a:schemeClr val="accent1"/>
+          </a:effectRef>
+          <a:fontRef idx="minor">
+            <a:schemeClr val="lt1"/>
+          </a:fontRef>
+        </p:style>
+        <p:txBody>
+          <a:bodyPr rtlCol="0" anchor="ctr"/>
+          <a:lstStyle/>
+          <a:p>
+            <a:pPr algn="ctr"/>
+            <a:endParaRPr lang="en-US">
+              <a:solidFill>
+                <a:schemeClr val="tx1"/>
+              </a:solidFill>
+            </a:endParaRPr>
+          </a:p>
+        </p:txBody>
+      </p:sp>
+      <p:sp>
+        <p:nvSpPr>
+          <p:cNvPr id="54" name="Pie 53"/>
+          <p:cNvSpPr/>
+          <p:nvPr/>
+        </p:nvSpPr>
+        <p:spPr>
+          <a:xfrm>
+            <a:off x="6044321" y="2571922"/>
+            <a:ext cx="442039" cy="442039"/>
+          </a:xfrm>
+          <a:prstGeom prst="pie">
+            <a:avLst>
+              <a:gd name="adj1" fmla="val 1686096"/>
+              <a:gd name="adj2" fmla="val 8757892"/>
+            </a:avLst>
+          </a:prstGeom>
+          <a:solidFill>
+            <a:srgbClr val="FF0000"/>
+          </a:solidFill>
+          <a:ln w="6350">
+            <a:solidFill>
+              <a:schemeClr val="bg1">
+                <a:lumMod val="85000"/>
+              </a:schemeClr>
+            </a:solidFill>
+          </a:ln>
+        </p:spPr>
+        <p:style>
+          <a:lnRef idx="2">
+            <a:schemeClr val="accent1">
+              <a:shade val="50000"/>
+            </a:schemeClr>
+          </a:lnRef>
+          <a:fillRef idx="1">
+            <a:schemeClr val="accent1"/>
+          </a:fillRef>
+          <a:effectRef idx="0">
+            <a:schemeClr val="accent1"/>
+          </a:effectRef>
+          <a:fontRef idx="minor">
+            <a:schemeClr val="lt1"/>
+          </a:fontRef>
+        </p:style>
+        <p:txBody>
+          <a:bodyPr rtlCol="0" anchor="ctr"/>
+          <a:lstStyle/>
+          <a:p>
+            <a:pPr algn="ctr"/>
+            <a:endParaRPr lang="en-US">
+              <a:solidFill>
+                <a:schemeClr val="tx1"/>
+              </a:solidFill>
+            </a:endParaRPr>
+          </a:p>
+        </p:txBody>
+      </p:sp>
+      <p:sp>
+        <p:nvSpPr>
+          <p:cNvPr id="55" name="Pie 54"/>
+          <p:cNvSpPr/>
+          <p:nvPr/>
+        </p:nvSpPr>
+        <p:spPr>
+          <a:xfrm>
+            <a:off x="7226305" y="2718423"/>
+            <a:ext cx="442039" cy="442039"/>
+          </a:xfrm>
+          <a:prstGeom prst="pie">
+            <a:avLst>
+              <a:gd name="adj1" fmla="val 8820141"/>
+              <a:gd name="adj2" fmla="val 16200000"/>
+            </a:avLst>
+          </a:prstGeom>
+          <a:solidFill>
+            <a:schemeClr val="accent1">
+              <a:lumMod val="60000"/>
+              <a:lumOff val="40000"/>
+            </a:schemeClr>
+          </a:solidFill>
+          <a:ln w="6350">
+            <a:solidFill>
+              <a:schemeClr val="bg1">
+                <a:lumMod val="85000"/>
+              </a:schemeClr>
+            </a:solidFill>
+          </a:ln>
+        </p:spPr>
+        <p:style>
+          <a:lnRef idx="2">
+            <a:schemeClr val="accent1">
+              <a:shade val="50000"/>
+            </a:schemeClr>
+          </a:lnRef>
+          <a:fillRef idx="1">
+            <a:schemeClr val="accent1"/>
+          </a:fillRef>
+          <a:effectRef idx="0">
+            <a:schemeClr val="accent1"/>
+          </a:effectRef>
+          <a:fontRef idx="minor">
+            <a:schemeClr val="lt1"/>
+          </a:fontRef>
+        </p:style>
+        <p:txBody>
+          <a:bodyPr rtlCol="0" anchor="ctr"/>
+          <a:lstStyle/>
+          <a:p>
+            <a:pPr algn="ctr"/>
+            <a:endParaRPr lang="en-US">
+              <a:solidFill>
+                <a:schemeClr val="tx1"/>
+              </a:solidFill>
+            </a:endParaRPr>
+          </a:p>
+        </p:txBody>
+      </p:sp>
+      <p:pic>
+        <p:nvPicPr>
+          <p:cNvPr id="56" name="Picture 2" descr="https://suvendugiri.files.wordpress.com/2012/02/checkbox.png"/>
+          <p:cNvPicPr>
+            <a:picLocks noChangeAspect="1" noChangeArrowheads="1"/>
+          </p:cNvPicPr>
+          <p:nvPr/>
+        </p:nvPicPr>
+        <p:blipFill>
+          <a:blip r:embed="rId7" cstate="print">
+            <a:extLst>
+              <a:ext uri="{28A0092B-C50C-407E-A947-70E740481C1C}">
+                <a14:useLocalDpi xmlns:a14="http://schemas.microsoft.com/office/drawing/2010/main" val="0"/>
+              </a:ext>
+            </a:extLst>
+          </a:blip>
+          <a:srcRect/>
+          <a:stretch>
+            <a:fillRect/>
+          </a:stretch>
+        </p:blipFill>
+        <p:spPr bwMode="auto">
+          <a:xfrm>
+            <a:off x="8263970" y="3183377"/>
+            <a:ext cx="461532" cy="461532"/>
+          </a:xfrm>
+          <a:prstGeom prst="rect">
+            <a:avLst/>
+          </a:prstGeom>
+          <a:noFill/>
+          <a:extLst>
+            <a:ext uri="{909E8E84-426E-40DD-AFC4-6F175D3DCCD1}">
+              <a14:hiddenFill xmlns:a14="http://schemas.microsoft.com/office/drawing/2010/main">
+                <a:solidFill>
+                  <a:srgbClr val="FFFFFF"/>
+                </a:solidFill>
+              </a14:hiddenFill>
+            </a:ext>
+          </a:extLst>
+        </p:spPr>
+      </p:pic>
+      <p:sp>
+        <p:nvSpPr>
+          <p:cNvPr id="57" name="Freeform 56"/>
+          <p:cNvSpPr/>
+          <p:nvPr/>
+        </p:nvSpPr>
+        <p:spPr>
+          <a:xfrm>
+            <a:off x="4467118" y="3414546"/>
+            <a:ext cx="3436883" cy="404200"/>
+          </a:xfrm>
+          <a:custGeom>
+            <a:avLst/>
+            <a:gdLst>
+              <a:gd name="connsiteX0" fmla="*/ 0 w 3436883"/>
+              <a:gd name="connsiteY0" fmla="*/ 279298 h 404200"/>
+              <a:gd name="connsiteX1" fmla="*/ 630621 w 3436883"/>
+              <a:gd name="connsiteY1" fmla="*/ 333351 h 404200"/>
+              <a:gd name="connsiteX2" fmla="*/ 1801774 w 3436883"/>
+              <a:gd name="connsiteY2" fmla="*/ 23 h 404200"/>
+              <a:gd name="connsiteX3" fmla="*/ 3040493 w 3436883"/>
+              <a:gd name="connsiteY3" fmla="*/ 351368 h 404200"/>
+              <a:gd name="connsiteX4" fmla="*/ 3436883 w 3436883"/>
+              <a:gd name="connsiteY4" fmla="*/ 396413 h 404200"/>
+            </a:gdLst>
+            <a:ahLst/>
+            <a:cxnLst>
+              <a:cxn ang="0">
+                <a:pos x="connsiteX0" y="connsiteY0"/>
+              </a:cxn>
+              <a:cxn ang="0">
+                <a:pos x="connsiteX1" y="connsiteY1"/>
+              </a:cxn>
+              <a:cxn ang="0">
+                <a:pos x="connsiteX2" y="connsiteY2"/>
+              </a:cxn>
+              <a:cxn ang="0">
+                <a:pos x="connsiteX3" y="connsiteY3"/>
+              </a:cxn>
+              <a:cxn ang="0">
+                <a:pos x="connsiteX4" y="connsiteY4"/>
+              </a:cxn>
+            </a:cxnLst>
+            <a:rect l="l" t="t" r="r" b="b"/>
+            <a:pathLst>
+              <a:path w="3436883" h="404200">
+                <a:moveTo>
+                  <a:pt x="0" y="279298"/>
+                </a:moveTo>
+                <a:cubicBezTo>
+                  <a:pt x="165162" y="329597"/>
+                  <a:pt x="330325" y="379897"/>
+                  <a:pt x="630621" y="333351"/>
+                </a:cubicBezTo>
+                <a:cubicBezTo>
+                  <a:pt x="930917" y="286805"/>
+                  <a:pt x="1400129" y="-2980"/>
+                  <a:pt x="1801774" y="23"/>
+                </a:cubicBezTo>
+                <a:cubicBezTo>
+                  <a:pt x="2203419" y="3026"/>
+                  <a:pt x="2767975" y="285303"/>
+                  <a:pt x="3040493" y="351368"/>
+                </a:cubicBezTo>
+                <a:cubicBezTo>
+                  <a:pt x="3313011" y="417433"/>
+                  <a:pt x="3374947" y="406923"/>
+                  <a:pt x="3436883" y="396413"/>
+                </a:cubicBezTo>
+              </a:path>
+            </a:pathLst>
+          </a:custGeom>
+          <a:noFill/>
+          <a:ln w="57150">
+            <a:solidFill>
+              <a:srgbClr val="92D050"/>
+            </a:solidFill>
+            <a:prstDash val="sysDot"/>
+          </a:ln>
+          <a:effectLst>
+            <a:outerShdw blurRad="50800" dist="38100" dir="2700000" algn="tl" rotWithShape="0">
+              <a:prstClr val="black">
+                <a:alpha val="40000"/>
+              </a:prstClr>
+            </a:outerShdw>
+          </a:effectLst>
+        </p:spPr>
+        <p:style>
+          <a:lnRef idx="2">
+            <a:schemeClr val="accent1">
+              <a:shade val="50000"/>
+            </a:schemeClr>
+          </a:lnRef>
+          <a:fillRef idx="1">
+            <a:schemeClr val="accent1"/>
+          </a:fillRef>
+          <a:effectRef idx="0">
+            <a:schemeClr val="accent1"/>
+          </a:effectRef>
+          <a:fontRef idx="minor">
+            <a:schemeClr val="lt1"/>
+          </a:fontRef>
+        </p:style>
+        <p:txBody>
+          <a:bodyPr rtlCol="0" anchor="ctr"/>
+          <a:lstStyle/>
+          <a:p>
+            <a:pPr algn="ctr"/>
+            <a:endParaRPr lang="en-US"/>
+          </a:p>
+        </p:txBody>
+      </p:sp>
+      <p:sp>
+        <p:nvSpPr>
+          <p:cNvPr id="58" name="Right Arrow 57"/>
+          <p:cNvSpPr/>
+          <p:nvPr/>
+        </p:nvSpPr>
+        <p:spPr>
+          <a:xfrm>
+            <a:off x="821380" y="4341979"/>
+            <a:ext cx="218032" cy="188611"/>
+          </a:xfrm>
+          <a:prstGeom prst="rightArrow">
+            <a:avLst>
+              <a:gd name="adj1" fmla="val 68252"/>
+              <a:gd name="adj2" fmla="val 50000"/>
+            </a:avLst>
+          </a:prstGeom>
+          <a:solidFill>
+            <a:schemeClr val="accent1"/>
+          </a:solidFill>
+          <a:ln>
+            <a:noFill/>
+          </a:ln>
+        </p:spPr>
+        <p:style>
+          <a:lnRef idx="2">
+            <a:schemeClr val="accent1">
+              <a:shade val="50000"/>
+            </a:schemeClr>
+          </a:lnRef>
+          <a:fillRef idx="1">
+            <a:schemeClr val="accent1"/>
+          </a:fillRef>
+          <a:effectRef idx="0">
+            <a:schemeClr val="accent1"/>
+          </a:effectRef>
+          <a:fontRef idx="minor">
+            <a:schemeClr val="lt1"/>
+          </a:fontRef>
+        </p:style>
+        <p:txBody>
+          <a:bodyPr rtlCol="0" anchor="ctr"/>
+          <a:lstStyle/>
+          <a:p>
+            <a:pPr algn="ctr"/>
+            <a:endParaRPr lang="en-US"/>
+          </a:p>
+        </p:txBody>
+      </p:sp>
+      <p:sp>
+        <p:nvSpPr>
+          <p:cNvPr id="59" name="Freeform 58"/>
+          <p:cNvSpPr/>
+          <p:nvPr/>
+        </p:nvSpPr>
+        <p:spPr>
+          <a:xfrm flipV="1">
+            <a:off x="4485133" y="3905412"/>
+            <a:ext cx="3436883" cy="479165"/>
+          </a:xfrm>
+          <a:custGeom>
+            <a:avLst/>
+            <a:gdLst>
+              <a:gd name="connsiteX0" fmla="*/ 0 w 3436883"/>
+              <a:gd name="connsiteY0" fmla="*/ 279298 h 404200"/>
+              <a:gd name="connsiteX1" fmla="*/ 630621 w 3436883"/>
+              <a:gd name="connsiteY1" fmla="*/ 333351 h 404200"/>
+              <a:gd name="connsiteX2" fmla="*/ 1801774 w 3436883"/>
+              <a:gd name="connsiteY2" fmla="*/ 23 h 404200"/>
+              <a:gd name="connsiteX3" fmla="*/ 3040493 w 3436883"/>
+              <a:gd name="connsiteY3" fmla="*/ 351368 h 404200"/>
+              <a:gd name="connsiteX4" fmla="*/ 3436883 w 3436883"/>
+              <a:gd name="connsiteY4" fmla="*/ 396413 h 404200"/>
+            </a:gdLst>
+            <a:ahLst/>
+            <a:cxnLst>
+              <a:cxn ang="0">
+                <a:pos x="connsiteX0" y="connsiteY0"/>
+              </a:cxn>
+              <a:cxn ang="0">
+                <a:pos x="connsiteX1" y="connsiteY1"/>
+              </a:cxn>
+              <a:cxn ang="0">
+                <a:pos x="connsiteX2" y="connsiteY2"/>
+              </a:cxn>
+              <a:cxn ang="0">
+                <a:pos x="connsiteX3" y="connsiteY3"/>
+              </a:cxn>
+              <a:cxn ang="0">
+                <a:pos x="connsiteX4" y="connsiteY4"/>
+              </a:cxn>
+            </a:cxnLst>
+            <a:rect l="l" t="t" r="r" b="b"/>
+            <a:pathLst>
+              <a:path w="3436883" h="404200">
+                <a:moveTo>
+                  <a:pt x="0" y="279298"/>
+                </a:moveTo>
+                <a:cubicBezTo>
+                  <a:pt x="165162" y="329597"/>
+                  <a:pt x="330325" y="379897"/>
+                  <a:pt x="630621" y="333351"/>
+                </a:cubicBezTo>
+                <a:cubicBezTo>
+                  <a:pt x="930917" y="286805"/>
+                  <a:pt x="1400129" y="-2980"/>
+                  <a:pt x="1801774" y="23"/>
+                </a:cubicBezTo>
+                <a:cubicBezTo>
+                  <a:pt x="2203419" y="3026"/>
+                  <a:pt x="2767975" y="285303"/>
+                  <a:pt x="3040493" y="351368"/>
+                </a:cubicBezTo>
+                <a:cubicBezTo>
+                  <a:pt x="3313011" y="417433"/>
+                  <a:pt x="3374947" y="406923"/>
+                  <a:pt x="3436883" y="396413"/>
+                </a:cubicBezTo>
+              </a:path>
+            </a:pathLst>
+          </a:custGeom>
+          <a:noFill/>
+          <a:ln w="57150">
+            <a:solidFill>
+              <a:srgbClr val="FF0000"/>
+            </a:solidFill>
+            <a:prstDash val="sysDot"/>
+          </a:ln>
+          <a:effectLst>
+            <a:outerShdw blurRad="50800" dist="38100" dir="2700000" algn="tl" rotWithShape="0">
+              <a:prstClr val="black">
+                <a:alpha val="40000"/>
+              </a:prstClr>
+            </a:outerShdw>
+          </a:effectLst>
+        </p:spPr>
+        <p:style>
+          <a:lnRef idx="2">
+            <a:schemeClr val="accent1">
+              <a:shade val="50000"/>
+            </a:schemeClr>
+          </a:lnRef>
+          <a:fillRef idx="1">
+            <a:schemeClr val="accent1"/>
+          </a:fillRef>
+          <a:effectRef idx="0">
+            <a:schemeClr val="accent1"/>
+          </a:effectRef>
+          <a:fontRef idx="minor">
+            <a:schemeClr val="lt1"/>
+          </a:fontRef>
+        </p:style>
+        <p:txBody>
+          <a:bodyPr rtlCol="0" anchor="ctr"/>
+          <a:lstStyle/>
+          <a:p>
+            <a:pPr algn="ctr"/>
+            <a:endParaRPr lang="en-US"/>
+          </a:p>
+        </p:txBody>
+      </p:sp>
+      <p:sp>
+        <p:nvSpPr>
+          <p:cNvPr id="60" name="Rounded Rectangle 59"/>
+          <p:cNvSpPr/>
+          <p:nvPr/>
+        </p:nvSpPr>
+        <p:spPr>
+          <a:xfrm>
+            <a:off x="7922016" y="4052451"/>
+            <a:ext cx="571614" cy="426014"/>
+          </a:xfrm>
+          <a:prstGeom prst="roundRect">
+            <a:avLst/>
+          </a:prstGeom>
+          <a:solidFill>
+            <a:schemeClr val="bg1"/>
+          </a:solidFill>
+          <a:ln w="6350" cap="flat">
+            <a:solidFill>
+              <a:schemeClr val="bg1">
+                <a:lumMod val="65000"/>
+              </a:schemeClr>
+            </a:solidFill>
+            <a:miter lim="800000"/>
+            <a:headEnd type="none" w="med" len="med"/>
+            <a:tailEnd type="none" w="med" len="med"/>
+          </a:ln>
+        </p:spPr>
+        <p:txBody>
+          <a:bodyPr lIns="68580" tIns="34290" rIns="68580" bIns="34290" rtlCol="0" anchor="ctr"/>
+          <a:lstStyle/>
+          <a:p>
+            <a:pPr algn="ctr" defTabSz="385763"/>
+            <a:endParaRPr lang="en-US" sz="1400">
+              <a:solidFill>
+                <a:schemeClr val="tx1"/>
+              </a:solidFill>
+              <a:ea typeface="Arial" pitchFamily="-107" charset="0"/>
+              <a:cs typeface="Arial" pitchFamily="-107" charset="0"/>
+            </a:endParaRPr>
+          </a:p>
+        </p:txBody>
+      </p:sp>
+      <p:sp>
+        <p:nvSpPr>
+          <p:cNvPr id="61" name="Pie 60"/>
+          <p:cNvSpPr/>
+          <p:nvPr/>
+        </p:nvSpPr>
+        <p:spPr>
+          <a:xfrm>
+            <a:off x="8030955" y="4152681"/>
+            <a:ext cx="255794" cy="255794"/>
+          </a:xfrm>
+          <a:prstGeom prst="pie">
+            <a:avLst>
+              <a:gd name="adj1" fmla="val 8820141"/>
+              <a:gd name="adj2" fmla="val 16200000"/>
+            </a:avLst>
+          </a:prstGeom>
+          <a:solidFill>
+            <a:schemeClr val="accent1">
+              <a:lumMod val="60000"/>
+              <a:lumOff val="40000"/>
+            </a:schemeClr>
+          </a:solidFill>
+          <a:ln w="6350">
+            <a:solidFill>
+              <a:schemeClr val="bg1">
+                <a:lumMod val="85000"/>
+              </a:schemeClr>
+            </a:solidFill>
+          </a:ln>
+        </p:spPr>
+        <p:style>
+          <a:lnRef idx="2">
+            <a:schemeClr val="accent1">
+              <a:shade val="50000"/>
+            </a:schemeClr>
+          </a:lnRef>
+          <a:fillRef idx="1">
+            <a:schemeClr val="accent1"/>
+          </a:fillRef>
+          <a:effectRef idx="0">
+            <a:schemeClr val="accent1"/>
+          </a:effectRef>
+          <a:fontRef idx="minor">
+            <a:schemeClr val="lt1"/>
+          </a:fontRef>
+        </p:style>
+        <p:txBody>
+          <a:bodyPr rtlCol="0" anchor="ctr"/>
+          <a:lstStyle/>
+          <a:p>
+            <a:pPr algn="ctr"/>
+            <a:endParaRPr lang="en-US">
+              <a:solidFill>
+                <a:schemeClr val="tx1"/>
+              </a:solidFill>
+            </a:endParaRPr>
+          </a:p>
+        </p:txBody>
+      </p:sp>
+      <p:sp>
+        <p:nvSpPr>
+          <p:cNvPr id="62" name="Pie 61"/>
+          <p:cNvSpPr/>
+          <p:nvPr/>
+        </p:nvSpPr>
+        <p:spPr>
+          <a:xfrm>
+            <a:off x="8030955" y="4152681"/>
+            <a:ext cx="255794" cy="255794"/>
+          </a:xfrm>
+          <a:prstGeom prst="pie">
+            <a:avLst>
+              <a:gd name="adj1" fmla="val 16231550"/>
+              <a:gd name="adj2" fmla="val 1645439"/>
+            </a:avLst>
+          </a:prstGeom>
+          <a:solidFill>
+            <a:schemeClr val="accent4"/>
+          </a:solidFill>
+          <a:ln w="6350">
+            <a:solidFill>
+              <a:schemeClr val="bg1">
+                <a:lumMod val="85000"/>
+              </a:schemeClr>
+            </a:solidFill>
+          </a:ln>
+        </p:spPr>
+        <p:style>
+          <a:lnRef idx="2">
+            <a:schemeClr val="accent1">
+              <a:shade val="50000"/>
+            </a:schemeClr>
+          </a:lnRef>
+          <a:fillRef idx="1">
+            <a:schemeClr val="accent1"/>
+          </a:fillRef>
+          <a:effectRef idx="0">
+            <a:schemeClr val="accent1"/>
+          </a:effectRef>
+          <a:fontRef idx="minor">
+            <a:schemeClr val="lt1"/>
+          </a:fontRef>
+        </p:style>
+        <p:txBody>
+          <a:bodyPr rtlCol="0" anchor="ctr"/>
+          <a:lstStyle/>
+          <a:p>
+            <a:pPr algn="ctr"/>
+            <a:endParaRPr lang="en-US">
+              <a:solidFill>
+                <a:schemeClr val="tx1"/>
+              </a:solidFill>
+            </a:endParaRPr>
+          </a:p>
+        </p:txBody>
+      </p:sp>
+      <p:pic>
+        <p:nvPicPr>
+          <p:cNvPr id="63" name="Picture 4" descr="http://i.stack.imgur.com/S43Qy.png"/>
+          <p:cNvPicPr>
+            <a:picLocks noChangeAspect="1" noChangeArrowheads="1"/>
+          </p:cNvPicPr>
+          <p:nvPr/>
+        </p:nvPicPr>
+        <p:blipFill>
+          <a:blip r:embed="rId8" cstate="print">
+            <a:extLst>
+              <a:ext uri="{28A0092B-C50C-407E-A947-70E740481C1C}">
+                <a14:useLocalDpi xmlns:a14="http://schemas.microsoft.com/office/drawing/2010/main" val="0"/>
+              </a:ext>
+            </a:extLst>
+          </a:blip>
+          <a:srcRect/>
+          <a:stretch>
+            <a:fillRect/>
+          </a:stretch>
+        </p:blipFill>
+        <p:spPr bwMode="auto">
+          <a:xfrm>
+            <a:off x="8353253" y="4050457"/>
+            <a:ext cx="430001" cy="430001"/>
+          </a:xfrm>
+          <a:prstGeom prst="rect">
+            <a:avLst/>
+          </a:prstGeom>
+          <a:noFill/>
+          <a:extLst>
+            <a:ext uri="{909E8E84-426E-40DD-AFC4-6F175D3DCCD1}">
+              <a14:hiddenFill xmlns:a14="http://schemas.microsoft.com/office/drawing/2010/main">
+                <a:solidFill>
+                  <a:srgbClr val="FFFFFF"/>
+                </a:solidFill>
+              </a14:hiddenFill>
+            </a:ext>
+          </a:extLst>
+        </p:spPr>
+      </p:pic>
+      <p:pic>
+        <p:nvPicPr>
+          <p:cNvPr id="64" name="Picture 2" descr="C:\Documents and Settings\rteligic\Desktop\Desktop_26Apr\desktop271211\cisco-prime\icons\Picture2.png"/>
+          <p:cNvPicPr>
+            <a:picLocks noChangeAspect="1" noChangeArrowheads="1"/>
+          </p:cNvPicPr>
+          <p:nvPr/>
+        </p:nvPicPr>
+        <p:blipFill>
+          <a:blip r:embed="rId9" cstate="print">
+            <a:duotone>
+              <a:schemeClr val="bg2">
+                <a:shade val="45000"/>
+                <a:satMod val="135000"/>
+              </a:schemeClr>
+              <a:prstClr val="white"/>
+            </a:duotone>
+            <a:extLst>
+              <a:ext uri="{BEBA8EAE-BF5A-486C-A8C5-ECC9F3942E4B}">
+                <a14:imgProps xmlns:a14="http://schemas.microsoft.com/office/drawing/2010/main">
+                  <a14:imgLayer r:embed="rId4">
+                    <a14:imgEffect>
+                      <a14:saturation sat="0"/>
+                    </a14:imgEffect>
+                  </a14:imgLayer>
+                </a14:imgProps>
+              </a:ext>
+              <a:ext uri="{28A0092B-C50C-407E-A947-70E740481C1C}">
+                <a14:useLocalDpi xmlns:a14="http://schemas.microsoft.com/office/drawing/2010/main" val="0"/>
+              </a:ext>
+            </a:extLst>
+          </a:blip>
+          <a:srcRect/>
+          <a:stretch>
+            <a:fillRect/>
+          </a:stretch>
+        </p:blipFill>
+        <p:spPr bwMode="auto">
+          <a:xfrm>
+            <a:off x="7874404" y="3509397"/>
+            <a:ext cx="632660" cy="618698"/>
+          </a:xfrm>
+          <a:prstGeom prst="rect">
+            <a:avLst/>
+          </a:prstGeom>
+          <a:noFill/>
+        </p:spPr>
+      </p:pic>
+      <p:sp>
+        <p:nvSpPr>
+          <p:cNvPr id="65" name="TextBox 64"/>
+          <p:cNvSpPr txBox="1"/>
+          <p:nvPr/>
+        </p:nvSpPr>
+        <p:spPr>
+          <a:xfrm>
+            <a:off x="7870614" y="3756295"/>
+            <a:ext cx="640240" cy="276999"/>
+          </a:xfrm>
+          <a:prstGeom prst="rect">
+            <a:avLst/>
+          </a:prstGeom>
+          <a:noFill/>
+        </p:spPr>
+        <p:txBody>
+          <a:bodyPr wrap="none" rtlCol="0">
+            <a:spAutoFit/>
+          </a:bodyPr>
+          <a:lstStyle/>
+          <a:p>
+            <a:r>
+              <a:rPr lang="de-DE" sz="1200" dirty="0" smtClean="0"/>
+              <a:t>Verifier</a:t>
+            </a:r>
+            <a:endParaRPr lang="en-US" sz="1200" dirty="0"/>
+          </a:p>
+        </p:txBody>
+      </p:sp>
+    </p:spTree>
+    <p:extLst>
+      <p:ext uri="{BB962C8B-B14F-4D97-AF65-F5344CB8AC3E}">
+        <p14:creationId xmlns:p14="http://schemas.microsoft.com/office/powerpoint/2010/main" val="2870270727"/>
+      </p:ext>
+    </p:extLst>
+  </p:cSld>
+  <p:clrMapOvr>
+    <a:masterClrMapping/>
+  </p:clrMapOvr>
+  <p:transition spd="med">
+    <p:fade/>
+  </p:transition>
+  <p:timing>
+    <p:tnLst>
+      <p:par>
+        <p:cTn id="1" dur="indefinite" restart="never" nodeType="tmRoot"/>
+      </p:par>
+    </p:tnLst>
+  </p:timing>
+</p:sld>
+</file>
+
+<file path=ppt/slides/slide6.xml><?xml version="1.0" encoding="utf-8"?>
 <p:sld xmlns:a="http://schemas.openxmlformats.org/drawingml/2006/main" xmlns:r="http://schemas.openxmlformats.org/officeDocument/2006/relationships" xmlns:p="http://schemas.openxmlformats.org/presentationml/2006/main">
   <p:cSld>
     <p:spTree>
@@ -16170,8 +18598,8 @@
         </p:nvSpPr>
         <p:spPr>
           <a:xfrm>
-            <a:off x="462301" y="1243883"/>
-            <a:ext cx="8277344" cy="3168210"/>
+            <a:off x="462301" y="1046453"/>
+            <a:ext cx="8277344" cy="3951573"/>
           </a:xfrm>
         </p:spPr>
         <p:txBody>
@@ -16429,38 +18857,46 @@
                   </a:schemeClr>
                 </a:solidFill>
               </a:rPr>
-              <a:t>IOAM </a:t>
-            </a:r>
-            <a:r>
-              <a:rPr lang="en-US" sz="1600" dirty="0" smtClean="0">
+              <a:t>IOAM in NSH in SFC WG</a:t>
+            </a:r>
+          </a:p>
+          <a:p>
+            <a:pPr lvl="1"/>
+            <a:r>
+              <a:rPr lang="en-US" sz="1400" dirty="0" smtClean="0">
                 <a:solidFill>
                   <a:schemeClr val="tx1">
                     <a:lumMod val="50000"/>
                   </a:schemeClr>
                 </a:solidFill>
               </a:rPr>
-              <a:t>in </a:t>
-            </a:r>
-            <a:r>
-              <a:rPr lang="en-US" sz="1600" dirty="0" smtClean="0">
+              <a:t>Feedback from SFC WG appreciated, especially on open questions</a:t>
+            </a:r>
+          </a:p>
+          <a:p>
+            <a:pPr lvl="1"/>
+            <a:r>
+              <a:rPr lang="en-US" sz="1400" dirty="0" smtClean="0">
                 <a:solidFill>
                   <a:schemeClr val="tx1">
                     <a:lumMod val="50000"/>
                   </a:schemeClr>
                 </a:solidFill>
               </a:rPr>
-              <a:t>NSH </a:t>
-            </a:r>
-            <a:r>
-              <a:rPr lang="en-US" sz="1600" dirty="0" smtClean="0">
+              <a:t>WG adoption</a:t>
+            </a:r>
+            <a:r>
+              <a:rPr lang="en-US" sz="1400" dirty="0" smtClean="0">
                 <a:solidFill>
                   <a:schemeClr val="tx1">
                     <a:lumMod val="50000"/>
                   </a:schemeClr>
                 </a:solidFill>
               </a:rPr>
-              <a:t>in </a:t>
-            </a:r>
+              <a:t>?</a:t>
+            </a:r>
+          </a:p>
+          <a:p>
             <a:r>
               <a:rPr lang="en-US" sz="1600" dirty="0" smtClean="0">
                 <a:solidFill>
@@ -16469,64 +18905,28 @@
                   </a:schemeClr>
                 </a:solidFill>
               </a:rPr>
-              <a:t>SFC </a:t>
-            </a:r>
-            <a:r>
-              <a:rPr lang="en-US" sz="1600" dirty="0" smtClean="0">
+              <a:t>IOAM Proof of Transit</a:t>
+            </a:r>
+          </a:p>
+          <a:p>
+            <a:pPr lvl="1"/>
+            <a:r>
+              <a:rPr lang="en-US" sz="1400" dirty="0" smtClean="0">
                 <a:solidFill>
                   <a:schemeClr val="tx1">
                     <a:lumMod val="50000"/>
                   </a:schemeClr>
                 </a:solidFill>
               </a:rPr>
-              <a:t>WG</a:t>
-            </a:r>
-          </a:p>
-          <a:p>
-            <a:pPr lvl="1"/>
-            <a:r>
-              <a:rPr lang="en-US" sz="1400" dirty="0" smtClean="0">
-                <a:solidFill>
-                  <a:schemeClr val="tx1">
-                    <a:lumMod val="50000"/>
-                  </a:schemeClr>
-                </a:solidFill>
-              </a:rPr>
-              <a:t>Feedback from </a:t>
-            </a:r>
-            <a:r>
-              <a:rPr lang="en-US" sz="1400" dirty="0" smtClean="0">
-                <a:solidFill>
-                  <a:schemeClr val="tx1">
-                    <a:lumMod val="50000"/>
-                  </a:schemeClr>
-                </a:solidFill>
-              </a:rPr>
-              <a:t>SFC </a:t>
-            </a:r>
-            <a:r>
-              <a:rPr lang="en-US" sz="1400" dirty="0" smtClean="0">
-                <a:solidFill>
-                  <a:schemeClr val="tx1">
-                    <a:lumMod val="50000"/>
-                  </a:schemeClr>
-                </a:solidFill>
-              </a:rPr>
-              <a:t>WG appreciated, especially on open questions</a:t>
-            </a:r>
-          </a:p>
-          <a:p>
-            <a:pPr lvl="1"/>
-            <a:r>
-              <a:rPr lang="en-US" sz="1400" dirty="0" smtClean="0">
-                <a:solidFill>
-                  <a:schemeClr val="tx1">
-                    <a:lumMod val="50000"/>
-                  </a:schemeClr>
-                </a:solidFill>
-              </a:rPr>
-              <a:t>WG adoption?</a:t>
-            </a:r>
+              <a:t>Consider WG adoption</a:t>
+            </a:r>
+            <a:endParaRPr lang="en-US" sz="1400" dirty="0" smtClean="0">
+              <a:solidFill>
+                <a:schemeClr val="tx1">
+                  <a:lumMod val="50000"/>
+                </a:schemeClr>
+              </a:solidFill>
+            </a:endParaRPr>
           </a:p>
         </p:txBody>
       </p:sp>

--- a/presentations/IETF100/IETF100-SFC-IOAM.pptx
+++ b/presentations/IETF100/IETF100-SFC-IOAM.pptx
@@ -5,18 +5,19 @@
     <p:sldMasterId id="2147483700" r:id="rId1"/>
   </p:sldMasterIdLst>
   <p:notesMasterIdLst>
-    <p:notesMasterId r:id="rId8"/>
+    <p:notesMasterId r:id="rId9"/>
   </p:notesMasterIdLst>
   <p:handoutMasterIdLst>
-    <p:handoutMasterId r:id="rId9"/>
+    <p:handoutMasterId r:id="rId10"/>
   </p:handoutMasterIdLst>
   <p:sldIdLst>
     <p:sldId id="457" r:id="rId2"/>
-    <p:sldId id="666" r:id="rId3"/>
+    <p:sldId id="671" r:id="rId3"/>
     <p:sldId id="669" r:id="rId4"/>
     <p:sldId id="668" r:id="rId5"/>
     <p:sldId id="670" r:id="rId6"/>
     <p:sldId id="665" r:id="rId7"/>
+    <p:sldId id="672" r:id="rId8"/>
   </p:sldIdLst>
   <p:sldSz cx="9144000" cy="5143500" type="screen16x9"/>
   <p:notesSz cx="6858000" cy="9144000"/>
@@ -147,7 +148,7 @@
   </p:defaultTextStyle>
   <p:extLst>
     <p:ext uri="{EFAFB233-063F-42B5-8137-9DF3F51BA10A}">
-      <p15:sldGuideLst xmlns:p15="http://schemas.microsoft.com/office/powerpoint/2012/main" xmlns="">
+      <p15:sldGuideLst xmlns:p15="http://schemas.microsoft.com/office/powerpoint/2012/main">
         <p15:guide id="1" orient="horz" pos="307">
           <p15:clr>
             <a:srgbClr val="A4A3A4"/>
@@ -301,7 +302,7 @@
               <a:pPr>
                 <a:defRPr/>
               </a:pPr>
-              <a:t>11/8/2017</a:t>
+              <a:t>11/13/17</a:t>
             </a:fld>
             <a:endParaRPr lang="en-US"/>
           </a:p>
@@ -524,7 +525,7 @@
               <a:pPr>
                 <a:defRPr/>
               </a:pPr>
-              <a:t>11/8/2017</a:t>
+              <a:t>11/13/17</a:t>
             </a:fld>
             <a:endParaRPr lang="en-US"/>
           </a:p>
@@ -1570,7 +1571,7 @@
               </a14:hiddenLine>
             </a:ext>
             <a:ext uri="{FAA26D3D-D897-4be2-8F04-BA451C77F1D7}">
-              <ma14:placeholderFlag xmlns="" xmlns:ma14="http://schemas.microsoft.com/office/mac/drawingml/2011/main" val="1"/>
+              <ma14:placeholderFlag xmlns:ma14="http://schemas.microsoft.com/office/mac/drawingml/2011/main" val="1"/>
             </a:ext>
           </a:extLst>
         </p:spPr>
@@ -1965,7 +1966,7 @@
               </a14:hiddenLine>
             </a:ext>
             <a:ext uri="{FAA26D3D-D897-4be2-8F04-BA451C77F1D7}">
-              <ma14:placeholderFlag xmlns="" xmlns:ma14="http://schemas.microsoft.com/office/mac/drawingml/2011/main" val="1"/>
+              <ma14:placeholderFlag xmlns:ma14="http://schemas.microsoft.com/office/mac/drawingml/2011/main" val="1"/>
             </a:ext>
           </a:extLst>
         </p:spPr>
@@ -3628,7 +3629,7 @@
               </a14:hiddenLine>
             </a:ext>
             <a:ext uri="{FAA26D3D-D897-4be2-8F04-BA451C77F1D7}">
-              <ma14:placeholderFlag xmlns="" xmlns:ma14="http://schemas.microsoft.com/office/mac/drawingml/2011/main" val="1"/>
+              <ma14:placeholderFlag xmlns:ma14="http://schemas.microsoft.com/office/mac/drawingml/2011/main" val="1"/>
             </a:ext>
           </a:extLst>
         </p:spPr>
@@ -3723,7 +3724,7 @@
               </a14:hiddenLine>
             </a:ext>
             <a:ext uri="{FAA26D3D-D897-4be2-8F04-BA451C77F1D7}">
-              <ma14:placeholderFlag xmlns="" xmlns:ma14="http://schemas.microsoft.com/office/mac/drawingml/2011/main" val="1"/>
+              <ma14:placeholderFlag xmlns:ma14="http://schemas.microsoft.com/office/mac/drawingml/2011/main" val="1"/>
             </a:ext>
           </a:extLst>
         </p:spPr>
@@ -4257,7 +4258,7 @@
               </a14:hiddenLine>
             </a:ext>
             <a:ext uri="{FAA26D3D-D897-4be2-8F04-BA451C77F1D7}">
-              <ma14:placeholderFlag xmlns="" xmlns:ma14="http://schemas.microsoft.com/office/mac/drawingml/2011/main" val="1"/>
+              <ma14:placeholderFlag xmlns:ma14="http://schemas.microsoft.com/office/mac/drawingml/2011/main" val="1"/>
             </a:ext>
           </a:extLst>
         </p:spPr>
@@ -4467,7 +4468,7 @@
               </a14:hiddenLine>
             </a:ext>
             <a:ext uri="{FAA26D3D-D897-4be2-8F04-BA451C77F1D7}">
-              <ma14:placeholderFlag xmlns="" xmlns:ma14="http://schemas.microsoft.com/office/mac/drawingml/2011/main" val="1"/>
+              <ma14:placeholderFlag xmlns:ma14="http://schemas.microsoft.com/office/mac/drawingml/2011/main" val="1"/>
             </a:ext>
           </a:extLst>
         </p:spPr>
@@ -5038,7 +5039,7 @@
               </a14:hiddenLine>
             </a:ext>
             <a:ext uri="{FAA26D3D-D897-4be2-8F04-BA451C77F1D7}">
-              <ma14:placeholderFlag xmlns="" xmlns:ma14="http://schemas.microsoft.com/office/mac/drawingml/2011/main" val="1"/>
+              <ma14:placeholderFlag xmlns:ma14="http://schemas.microsoft.com/office/mac/drawingml/2011/main" val="1"/>
             </a:ext>
           </a:extLst>
         </p:spPr>
@@ -5258,7 +5259,7 @@
               </a14:hiddenLine>
             </a:ext>
             <a:ext uri="{FAA26D3D-D897-4be2-8F04-BA451C77F1D7}">
-              <ma14:placeholderFlag xmlns="" xmlns:ma14="http://schemas.microsoft.com/office/mac/drawingml/2011/main" val="1"/>
+              <ma14:placeholderFlag xmlns:ma14="http://schemas.microsoft.com/office/mac/drawingml/2011/main" val="1"/>
             </a:ext>
           </a:extLst>
         </p:spPr>
@@ -6108,7 +6109,7 @@
               </a14:hiddenLine>
             </a:ext>
             <a:ext uri="{FAA26D3D-D897-4be2-8F04-BA451C77F1D7}">
-              <ma14:placeholderFlag xmlns="" xmlns:ma14="http://schemas.microsoft.com/office/mac/drawingml/2011/main" val="1"/>
+              <ma14:placeholderFlag xmlns:ma14="http://schemas.microsoft.com/office/mac/drawingml/2011/main" val="1"/>
             </a:ext>
           </a:extLst>
         </p:spPr>
@@ -9716,7 +9717,7 @@
               </a14:hiddenLine>
             </a:ext>
             <a:ext uri="{FAA26D3D-D897-4be2-8F04-BA451C77F1D7}">
-              <ma14:placeholderFlag xmlns="" xmlns:ma14="http://schemas.microsoft.com/office/mac/drawingml/2011/main" val="1"/>
+              <ma14:placeholderFlag xmlns:ma14="http://schemas.microsoft.com/office/mac/drawingml/2011/main" val="1"/>
             </a:ext>
           </a:extLst>
         </p:spPr>
@@ -9932,7 +9933,7 @@
               </a14:hiddenLine>
             </a:ext>
             <a:ext uri="{FAA26D3D-D897-4be2-8F04-BA451C77F1D7}">
-              <ma14:placeholderFlag xmlns="" xmlns:ma14="http://schemas.microsoft.com/office/mac/drawingml/2011/main" val="1"/>
+              <ma14:placeholderFlag xmlns:ma14="http://schemas.microsoft.com/office/mac/drawingml/2011/main" val="1"/>
             </a:ext>
           </a:extLst>
         </p:spPr>
@@ -10148,7 +10149,7 @@
               </a14:hiddenLine>
             </a:ext>
             <a:ext uri="{FAA26D3D-D897-4be2-8F04-BA451C77F1D7}">
-              <ma14:placeholderFlag xmlns="" xmlns:ma14="http://schemas.microsoft.com/office/mac/drawingml/2011/main" val="1"/>
+              <ma14:placeholderFlag xmlns:ma14="http://schemas.microsoft.com/office/mac/drawingml/2011/main" val="1"/>
             </a:ext>
           </a:extLst>
         </p:spPr>
@@ -10559,7 +10560,7 @@
               </a14:hiddenLine>
             </a:ext>
             <a:ext uri="{FAA26D3D-D897-4be2-8F04-BA451C77F1D7}">
-              <ma14:placeholderFlag xmlns="" xmlns:ma14="http://schemas.microsoft.com/office/mac/drawingml/2011/main" val="1"/>
+              <ma14:placeholderFlag xmlns:ma14="http://schemas.microsoft.com/office/mac/drawingml/2011/main" val="1"/>
             </a:ext>
           </a:extLst>
         </p:spPr>
@@ -11265,9 +11266,9 @@
                   </a:schemeClr>
                 </a:solidFill>
               </a:rPr>
-              <a:t>In-situ OAM (IOAM) in NSH</a:t>
-            </a:r>
-            <a:br>
+              <a:t>In-situ OAM (IOAM) in </a:t>
+            </a:r>
+            <a:r>
               <a:rPr lang="en-US" sz="3600" dirty="0" smtClean="0">
                 <a:solidFill>
                   <a:schemeClr val="tx1">
@@ -11275,18 +11276,125 @@
                   </a:schemeClr>
                 </a:solidFill>
               </a:rPr>
-            </a:br>
-            <a:r>
-              <a:rPr lang="en-US" sz="2000" dirty="0" smtClean="0">
+              <a:t>NSH (and POT)</a:t>
+            </a:r>
+            <a:r>
+              <a:rPr lang="en-US" sz="3600" dirty="0" smtClean="0">
                 <a:solidFill>
                   <a:schemeClr val="tx1">
                     <a:lumMod val="50000"/>
                   </a:schemeClr>
                 </a:solidFill>
+              </a:rPr>
+              <a:t/>
+            </a:r>
+            <a:br>
+              <a:rPr lang="en-US" sz="3600" dirty="0" smtClean="0">
+                <a:solidFill>
+                  <a:schemeClr val="tx1">
+                    <a:lumMod val="50000"/>
+                  </a:schemeClr>
+                </a:solidFill>
+              </a:rPr>
+            </a:br>
+            <a:r>
+              <a:rPr lang="en-US" sz="3600" dirty="0" smtClean="0">
+                <a:solidFill>
+                  <a:schemeClr val="tx1">
+                    <a:lumMod val="50000"/>
+                  </a:schemeClr>
+                </a:solidFill>
+              </a:rPr>
+              <a:t/>
+            </a:r>
+            <a:br>
+              <a:rPr lang="en-US" sz="3600" dirty="0" smtClean="0">
+                <a:solidFill>
+                  <a:schemeClr val="tx1">
+                    <a:lumMod val="50000"/>
+                  </a:schemeClr>
+                </a:solidFill>
+              </a:rPr>
+            </a:br>
+            <a:r>
+              <a:rPr lang="en-US" sz="2000" dirty="0" smtClean="0">
+                <a:solidFill>
+                  <a:schemeClr val="tx1">
+                    <a:lumMod val="50000"/>
+                  </a:schemeClr>
+                </a:solidFill>
                 <a:hlinkClick r:id="rId2"/>
               </a:rPr>
               <a:t>draft-brockners-sfc-ioam-nsh-00</a:t>
             </a:r>
+            <a:r>
+              <a:rPr lang="en-US" sz="2000" dirty="0" smtClean="0">
+                <a:solidFill>
+                  <a:schemeClr val="tx1">
+                    <a:lumMod val="50000"/>
+                  </a:schemeClr>
+                </a:solidFill>
+              </a:rPr>
+              <a:t/>
+            </a:r>
+            <a:br>
+              <a:rPr lang="en-US" sz="2000" dirty="0" smtClean="0">
+                <a:solidFill>
+                  <a:schemeClr val="tx1">
+                    <a:lumMod val="50000"/>
+                  </a:schemeClr>
+                </a:solidFill>
+              </a:rPr>
+            </a:br>
+            <a:r>
+              <a:rPr lang="en-US" sz="2000" dirty="0">
+                <a:solidFill>
+                  <a:schemeClr val="tx1">
+                    <a:lumMod val="50000"/>
+                  </a:schemeClr>
+                </a:solidFill>
+              </a:rPr>
+              <a:t/>
+            </a:r>
+            <a:br>
+              <a:rPr lang="en-US" sz="2000" dirty="0">
+                <a:solidFill>
+                  <a:schemeClr val="tx1">
+                    <a:lumMod val="50000"/>
+                  </a:schemeClr>
+                </a:solidFill>
+              </a:rPr>
+            </a:br>
+            <a:r>
+              <a:rPr lang="en-US" sz="2000" dirty="0">
+                <a:solidFill>
+                  <a:schemeClr val="tx1">
+                    <a:lumMod val="50000"/>
+                  </a:schemeClr>
+                </a:solidFill>
+                <a:hlinkClick r:id="rId3"/>
+              </a:rPr>
+              <a:t>draft-brockners-proof-of-transit-04</a:t>
+            </a:r>
+            <a:r>
+              <a:rPr lang="en-US" sz="2000" dirty="0">
+                <a:solidFill>
+                  <a:schemeClr val="tx1">
+                    <a:lumMod val="50000"/>
+                  </a:schemeClr>
+                </a:solidFill>
+              </a:rPr>
+              <a:t/>
+            </a:r>
+            <a:br>
+              <a:rPr lang="en-US" sz="2000" dirty="0">
+                <a:solidFill>
+                  <a:schemeClr val="tx1">
+                    <a:lumMod val="50000"/>
+                  </a:schemeClr>
+                </a:solidFill>
+              </a:rPr>
+            </a:br>
             <a:endParaRPr lang="en-US" sz="1400" dirty="0">
               <a:solidFill>
                 <a:schemeClr val="tx1">
@@ -11871,7 +11979,7 @@
                   </a:srgbClr>
                 </a:solidFill>
               </a:rPr>
-              <a:t> extra probe-traffic (as with ping, trace, </a:t>
+              <a:t> extra probe-traffic (as with ping, trace</a:t>
             </a:r>
             <a:r>
               <a:rPr lang="en-US" sz="1200" kern="0" dirty="0" smtClean="0">
@@ -11881,7 +11989,7 @@
                   </a:srgbClr>
                 </a:solidFill>
               </a:rPr>
-              <a:t>..)</a:t>
+              <a:t>, ..)</a:t>
             </a:r>
           </a:p>
           <a:p>
@@ -11899,16 +12007,18 @@
                   </a:srgbClr>
                 </a:solidFill>
               </a:rPr>
-              <a:t>“Hybrid, Type-1 OAM” per RFC 7799</a:t>
-            </a:r>
-          </a:p>
-          <a:p>
-            <a:pPr lvl="1" indent="-185738" defTabSz="914400">
-              <a:spcBef>
-                <a:spcPts val="1200"/>
-              </a:spcBef>
-              <a:defRPr/>
-            </a:pPr>
+              <a:t>“Hybrid, Type-1 OAM” per RFC </a:t>
+            </a:r>
+            <a:r>
+              <a:rPr lang="en-US" sz="1200" kern="0" dirty="0" smtClean="0">
+                <a:solidFill>
+                  <a:srgbClr val="676767">
+                    <a:lumMod val="50000"/>
+                  </a:srgbClr>
+                </a:solidFill>
+              </a:rPr>
+              <a:t>7799</a:t>
+            </a:r>
             <a:endParaRPr lang="en-US" kern="0" dirty="0">
               <a:solidFill>
                 <a:srgbClr val="676767">
@@ -11978,13 +12088,18 @@
                   </a:srgbClr>
                 </a:solidFill>
               </a:rPr>
-              <a:t>sequence numbers, ...</a:t>
-            </a:r>
-          </a:p>
-          <a:p>
-            <a:pPr lvl="1" defTabSz="914400">
-              <a:defRPr/>
-            </a:pPr>
+              <a:t>sequence numbers, </a:t>
+            </a:r>
+            <a:r>
+              <a:rPr lang="de-DE" sz="1200" kern="0" dirty="0" smtClean="0">
+                <a:solidFill>
+                  <a:srgbClr val="676767">
+                    <a:lumMod val="50000"/>
+                  </a:srgbClr>
+                </a:solidFill>
+              </a:rPr>
+              <a:t>...</a:t>
+            </a:r>
             <a:endParaRPr lang="de-DE" sz="1200" kern="0" dirty="0" smtClean="0">
               <a:solidFill>
                 <a:srgbClr val="676767">
@@ -12046,8 +12161,123 @@
                   </a:srgbClr>
                 </a:solidFill>
               </a:rPr>
-              <a:t>IPv6, SRv6, NSH, GRE, Geneve, VXLAN-GPE ...</a:t>
-            </a:r>
+              <a:t>IPv6, SRv6, NSH, GRE, Geneve, VXLAN-GPE </a:t>
+            </a:r>
+            <a:r>
+              <a:rPr lang="de-DE" sz="1200" kern="0" dirty="0" smtClean="0">
+                <a:solidFill>
+                  <a:srgbClr val="676767">
+                    <a:lumMod val="50000"/>
+                  </a:srgbClr>
+                </a:solidFill>
+              </a:rPr>
+              <a:t>...</a:t>
+            </a:r>
+            <a:endParaRPr lang="de-DE" sz="1200" kern="0" dirty="0">
+              <a:solidFill>
+                <a:srgbClr val="676767">
+                  <a:lumMod val="50000"/>
+                </a:srgbClr>
+              </a:solidFill>
+            </a:endParaRPr>
+          </a:p>
+          <a:p>
+            <a:pPr defTabSz="914400">
+              <a:defRPr/>
+            </a:pPr>
+            <a:r>
+              <a:rPr lang="de-DE" sz="1400" i="1" kern="0" dirty="0" smtClean="0">
+                <a:solidFill>
+                  <a:srgbClr val="676767">
+                    <a:lumMod val="50000"/>
+                  </a:srgbClr>
+                </a:solidFill>
+              </a:rPr>
+              <a:t>Base IOAM </a:t>
+            </a:r>
+            <a:r>
+              <a:rPr lang="de-DE" sz="1400" i="1" kern="0" dirty="0" err="1" smtClean="0">
+                <a:solidFill>
+                  <a:srgbClr val="676767">
+                    <a:lumMod val="50000"/>
+                  </a:srgbClr>
+                </a:solidFill>
+              </a:rPr>
+              <a:t>document</a:t>
+            </a:r>
+            <a:r>
+              <a:rPr lang="de-DE" sz="1400" i="1" kern="0" dirty="0" smtClean="0">
+                <a:solidFill>
+                  <a:srgbClr val="676767">
+                    <a:lumMod val="50000"/>
+                  </a:srgbClr>
+                </a:solidFill>
+              </a:rPr>
+              <a:t> </a:t>
+            </a:r>
+            <a:r>
+              <a:rPr lang="de-DE" sz="1400" i="1" kern="0" dirty="0" err="1" smtClean="0">
+                <a:solidFill>
+                  <a:srgbClr val="676767">
+                    <a:lumMod val="50000"/>
+                  </a:srgbClr>
+                </a:solidFill>
+              </a:rPr>
+              <a:t>adopted</a:t>
+            </a:r>
+            <a:r>
+              <a:rPr lang="de-DE" sz="1400" i="1" kern="0" dirty="0" smtClean="0">
+                <a:solidFill>
+                  <a:srgbClr val="676767">
+                    <a:lumMod val="50000"/>
+                  </a:srgbClr>
+                </a:solidFill>
+              </a:rPr>
+              <a:t> </a:t>
+            </a:r>
+            <a:r>
+              <a:rPr lang="de-DE" sz="1400" i="1" kern="0" dirty="0" err="1" smtClean="0">
+                <a:solidFill>
+                  <a:srgbClr val="676767">
+                    <a:lumMod val="50000"/>
+                  </a:srgbClr>
+                </a:solidFill>
+              </a:rPr>
+              <a:t>by</a:t>
+            </a:r>
+            <a:r>
+              <a:rPr lang="de-DE" sz="1400" i="1" kern="0" dirty="0" smtClean="0">
+                <a:solidFill>
+                  <a:srgbClr val="676767">
+                    <a:lumMod val="50000"/>
+                  </a:srgbClr>
+                </a:solidFill>
+              </a:rPr>
+              <a:t> IPPM!</a:t>
+            </a:r>
+          </a:p>
+          <a:p>
+            <a:pPr lvl="1" defTabSz="914400">
+              <a:defRPr/>
+            </a:pPr>
+            <a:r>
+              <a:rPr lang="de-DE" sz="1200" i="1" kern="0" dirty="0" smtClean="0">
+                <a:solidFill>
+                  <a:srgbClr val="676767">
+                    <a:lumMod val="50000"/>
+                  </a:srgbClr>
+                </a:solidFill>
+                <a:hlinkClick r:id="rId2"/>
+              </a:rPr>
+              <a:t>draft-ietf-ippm-ioam-data-01</a:t>
+            </a:r>
+            <a:endParaRPr lang="de-DE" sz="1200" i="1" kern="0" dirty="0">
+              <a:solidFill>
+                <a:srgbClr val="676767">
+                  <a:lumMod val="50000"/>
+                </a:srgbClr>
+              </a:solidFill>
+            </a:endParaRPr>
           </a:p>
         </p:txBody>
       </p:sp>
@@ -12364,7 +12594,7 @@
           <p:nvPr/>
         </p:nvPicPr>
         <p:blipFill>
-          <a:blip r:embed="rId2">
+          <a:blip r:embed="rId3">
             <a:duotone>
               <a:schemeClr val="accent5">
                 <a:shade val="45000"/>
@@ -12705,7 +12935,7 @@
     </p:spTree>
     <p:extLst>
       <p:ext uri="{BB962C8B-B14F-4D97-AF65-F5344CB8AC3E}">
-        <p14:creationId xmlns:p14="http://schemas.microsoft.com/office/powerpoint/2010/main" val="3559108543"/>
+        <p14:creationId xmlns:p14="http://schemas.microsoft.com/office/powerpoint/2010/main" val="1486686922"/>
       </p:ext>
     </p:extLst>
   </p:cSld>
@@ -15543,17 +15773,7 @@
                   </a:schemeClr>
                 </a:solidFill>
               </a:rPr>
-              <a:t> </a:t>
-            </a:r>
-            <a:r>
-              <a:rPr lang="en-US" sz="1400" dirty="0" smtClean="0">
-                <a:solidFill>
-                  <a:schemeClr val="tx1">
-                    <a:lumMod val="50000"/>
-                  </a:schemeClr>
-                </a:solidFill>
-              </a:rPr>
-              <a:t>data</a:t>
+              <a:t> data</a:t>
             </a:r>
           </a:p>
           <a:p>
@@ -16170,7 +16390,23 @@
           <a:p>
             <a:r>
               <a:rPr lang="de-DE" dirty="0" smtClean="0"/>
-              <a:t>What about security?</a:t>
+              <a:t>What </a:t>
+            </a:r>
+            <a:r>
+              <a:rPr lang="de-DE" dirty="0" err="1" smtClean="0"/>
+              <a:t>about</a:t>
+            </a:r>
+            <a:r>
+              <a:rPr lang="de-DE" dirty="0" smtClean="0"/>
+              <a:t> </a:t>
+            </a:r>
+            <a:r>
+              <a:rPr lang="de-DE" dirty="0" err="1" smtClean="0"/>
+              <a:t>compliance</a:t>
+            </a:r>
+            <a:r>
+              <a:rPr lang="de-DE" dirty="0" smtClean="0"/>
+              <a:t>?</a:t>
             </a:r>
             <a:endParaRPr lang="de-DE" dirty="0"/>
           </a:p>
@@ -16521,8 +16757,37 @@
                   </a:schemeClr>
                 </a:solidFill>
               </a:rPr>
-              <a:t>“Proof of Transit”: Path verified</a:t>
-            </a:r>
+              <a:t>“Proof of Transit”: Path </a:t>
+            </a:r>
+            <a:r>
+              <a:rPr lang="en-US" sz="1600" dirty="0" smtClean="0">
+                <a:solidFill>
+                  <a:schemeClr val="tx1">
+                    <a:lumMod val="50000"/>
+                  </a:schemeClr>
+                </a:solidFill>
+              </a:rPr>
+              <a:t>verified</a:t>
+            </a:r>
+          </a:p>
+          <a:p>
+            <a:r>
+              <a:rPr lang="en-US" i="1" dirty="0" smtClean="0">
+                <a:solidFill>
+                  <a:schemeClr val="tx1">
+                    <a:lumMod val="50000"/>
+                  </a:schemeClr>
+                </a:solidFill>
+              </a:rPr>
+              <a:t>Referenced from NSH!</a:t>
+            </a:r>
+            <a:endParaRPr lang="en-US" i="1" dirty="0" smtClean="0">
+              <a:solidFill>
+                <a:schemeClr val="tx1">
+                  <a:lumMod val="50000"/>
+                </a:schemeClr>
+              </a:solidFill>
+            </a:endParaRPr>
           </a:p>
           <a:p>
             <a:endParaRPr lang="en-US" sz="1800" dirty="0" smtClean="0">
@@ -18607,7 +18872,7 @@
           <a:lstStyle/>
           <a:p>
             <a:r>
-              <a:rPr lang="en-US" sz="1600" dirty="0" smtClean="0">
+              <a:rPr lang="en-US" sz="2400" dirty="0" smtClean="0">
                 <a:solidFill>
                   <a:schemeClr val="tx1">
                     <a:lumMod val="50000"/>
@@ -18617,7 +18882,7 @@
               <a:t>Data </a:t>
             </a:r>
             <a:r>
-              <a:rPr lang="en-US" sz="1600" dirty="0">
+              <a:rPr lang="en-US" sz="2400" dirty="0">
                 <a:solidFill>
                   <a:schemeClr val="tx1">
                     <a:lumMod val="50000"/>
@@ -18627,7 +18892,7 @@
               <a:t>Fields for In-situ </a:t>
             </a:r>
             <a:r>
-              <a:rPr lang="en-US" sz="1600" dirty="0" smtClean="0">
+              <a:rPr lang="en-US" sz="2400" dirty="0" smtClean="0">
                 <a:solidFill>
                   <a:schemeClr val="tx1">
                     <a:lumMod val="50000"/>
@@ -18640,7 +18905,7 @@
           <a:p>
             <a:pPr lvl="1"/>
             <a:r>
-              <a:rPr lang="en-US" sz="1400" dirty="0" smtClean="0">
+              <a:rPr lang="en-US" sz="2000" dirty="0" smtClean="0">
                 <a:solidFill>
                   <a:schemeClr val="tx1">
                     <a:lumMod val="50000"/>
@@ -18653,7 +18918,7 @@
           <a:p>
             <a:pPr lvl="1"/>
             <a:r>
-              <a:rPr lang="en-US" sz="1400" dirty="0" smtClean="0">
+              <a:rPr lang="en-US" sz="2000" dirty="0" smtClean="0">
                 <a:solidFill>
                   <a:schemeClr val="tx1">
                     <a:lumMod val="50000"/>
@@ -18661,75 +18926,9 @@
                 </a:solidFill>
                 <a:hlinkClick r:id="rId2"/>
               </a:rPr>
-              <a:t>draft-</a:t>
-            </a:r>
-            <a:r>
-              <a:rPr lang="en-US" sz="1400" dirty="0" err="1" smtClean="0">
-                <a:solidFill>
-                  <a:schemeClr val="tx1">
-                    <a:lumMod val="50000"/>
-                  </a:schemeClr>
-                </a:solidFill>
-                <a:hlinkClick r:id="rId2"/>
-              </a:rPr>
-              <a:t>ietf</a:t>
-            </a:r>
-            <a:r>
-              <a:rPr lang="en-US" sz="1400" dirty="0" smtClean="0">
-                <a:solidFill>
-                  <a:schemeClr val="tx1">
-                    <a:lumMod val="50000"/>
-                  </a:schemeClr>
-                </a:solidFill>
-                <a:hlinkClick r:id="rId2"/>
-              </a:rPr>
-              <a:t>-</a:t>
-            </a:r>
-            <a:r>
-              <a:rPr lang="en-US" sz="1400" dirty="0" err="1" smtClean="0">
-                <a:solidFill>
-                  <a:schemeClr val="tx1">
-                    <a:lumMod val="50000"/>
-                  </a:schemeClr>
-                </a:solidFill>
-                <a:hlinkClick r:id="rId2"/>
-              </a:rPr>
-              <a:t>ippm</a:t>
-            </a:r>
-            <a:r>
-              <a:rPr lang="en-US" sz="1400" dirty="0" smtClean="0">
-                <a:solidFill>
-                  <a:schemeClr val="tx1">
-                    <a:lumMod val="50000"/>
-                  </a:schemeClr>
-                </a:solidFill>
-                <a:hlinkClick r:id="rId2"/>
-              </a:rPr>
-              <a:t>-</a:t>
-            </a:r>
-            <a:r>
-              <a:rPr lang="en-US" sz="1400" dirty="0" err="1" smtClean="0">
-                <a:solidFill>
-                  <a:schemeClr val="tx1">
-                    <a:lumMod val="50000"/>
-                  </a:schemeClr>
-                </a:solidFill>
-                <a:hlinkClick r:id="rId2"/>
-              </a:rPr>
-              <a:t>ioam</a:t>
-            </a:r>
-            <a:r>
-              <a:rPr lang="en-US" sz="1400" dirty="0" smtClean="0">
-                <a:solidFill>
-                  <a:schemeClr val="tx1">
-                    <a:lumMod val="50000"/>
-                  </a:schemeClr>
-                </a:solidFill>
-                <a:hlinkClick r:id="rId2"/>
-              </a:rPr>
-              <a:t>-data</a:t>
-            </a:r>
-            <a:endParaRPr lang="en-US" sz="1400" dirty="0">
+              <a:t>draft-ietf-ippm-ioam-data-01</a:t>
+            </a:r>
+            <a:endParaRPr lang="en-US" sz="2000" dirty="0">
               <a:solidFill>
                 <a:schemeClr val="tx1">
                   <a:lumMod val="50000"/>
@@ -18739,7 +18938,7 @@
           </a:p>
           <a:p>
             <a:r>
-              <a:rPr lang="en-US" sz="1600" dirty="0">
+              <a:rPr lang="en-US" sz="2400" dirty="0">
                 <a:solidFill>
                   <a:schemeClr val="tx1">
                     <a:lumMod val="50000"/>
@@ -18752,7 +18951,7 @@
           <a:p>
             <a:pPr lvl="1"/>
             <a:r>
-              <a:rPr lang="en-US" sz="1400" dirty="0">
+              <a:rPr lang="en-US" sz="2000" dirty="0">
                 <a:solidFill>
                   <a:schemeClr val="tx1">
                     <a:lumMod val="50000"/>
@@ -18762,7 +18961,7 @@
               </a:rPr>
               <a:t>draft-brockners-nvo3-ioam-geneve-00</a:t>
             </a:r>
-            <a:endParaRPr lang="en-US" sz="1400" dirty="0">
+            <a:endParaRPr lang="en-US" sz="2000" dirty="0">
               <a:solidFill>
                 <a:schemeClr val="tx1">
                   <a:lumMod val="50000"/>
@@ -18773,7 +18972,7 @@
           <a:p>
             <a:pPr lvl="1"/>
             <a:r>
-              <a:rPr lang="en-US" sz="1400" dirty="0" smtClean="0">
+              <a:rPr lang="en-US" sz="2000" dirty="0" smtClean="0">
                 <a:solidFill>
                   <a:schemeClr val="tx1">
                     <a:lumMod val="50000"/>
@@ -18783,7 +18982,7 @@
               </a:rPr>
               <a:t>draft-brockners-ioam-vxlan-gpe-00</a:t>
             </a:r>
-            <a:endParaRPr lang="en-US" sz="1400" dirty="0" smtClean="0">
+            <a:endParaRPr lang="en-US" sz="2000" dirty="0" smtClean="0">
               <a:solidFill>
                 <a:schemeClr val="tx1">
                   <a:lumMod val="50000"/>
@@ -18794,7 +18993,7 @@
           <a:p>
             <a:pPr lvl="1"/>
             <a:r>
-              <a:rPr lang="en-US" sz="1400" dirty="0" smtClean="0">
+              <a:rPr lang="en-US" sz="2000" dirty="0" smtClean="0">
                 <a:solidFill>
                   <a:schemeClr val="tx1">
                     <a:lumMod val="50000"/>
@@ -18805,7 +19004,7 @@
               <a:t>draft-brockners-sfc-ioam-nsh-00</a:t>
             </a:r>
             <a:r>
-              <a:rPr lang="en-US" sz="1400" dirty="0" smtClean="0">
+              <a:rPr lang="en-US" sz="2000" dirty="0" smtClean="0">
                 <a:solidFill>
                   <a:schemeClr val="tx1">
                     <a:lumMod val="50000"/>
@@ -18815,7 +19014,7 @@
               <a:t> </a:t>
             </a:r>
             <a:r>
-              <a:rPr lang="en-US" sz="1600" dirty="0">
+              <a:rPr lang="en-US" sz="2400" dirty="0">
                 <a:solidFill>
                   <a:schemeClr val="tx1">
                     <a:lumMod val="50000"/>
@@ -18825,7 +19024,7 @@
               <a:t>(this discussion</a:t>
             </a:r>
             <a:r>
-              <a:rPr lang="en-US" sz="1600" dirty="0" smtClean="0">
+              <a:rPr lang="en-US" sz="2400" dirty="0" smtClean="0">
                 <a:solidFill>
                   <a:schemeClr val="tx1">
                     <a:lumMod val="50000"/>
@@ -18838,89 +19037,26 @@
           <a:p>
             <a:pPr lvl="1"/>
             <a:r>
-              <a:rPr lang="en-US" sz="1600" dirty="0" smtClean="0">
+              <a:rPr lang="en-US" sz="2400" dirty="0" smtClean="0">
                 <a:solidFill>
                   <a:schemeClr val="tx1">
                     <a:lumMod val="50000"/>
                   </a:schemeClr>
                 </a:solidFill>
               </a:rPr>
-              <a:t>… more to come…</a:t>
-            </a:r>
-          </a:p>
-          <a:p>
-            <a:r>
-              <a:rPr lang="en-US" sz="1600" dirty="0" smtClean="0">
+              <a:t>… more to come</a:t>
+            </a:r>
+            <a:r>
+              <a:rPr lang="en-US" sz="2400" dirty="0" smtClean="0">
                 <a:solidFill>
                   <a:schemeClr val="tx1">
                     <a:lumMod val="50000"/>
                   </a:schemeClr>
                 </a:solidFill>
               </a:rPr>
-              <a:t>IOAM in NSH in SFC WG</a:t>
-            </a:r>
-          </a:p>
-          <a:p>
-            <a:pPr lvl="1"/>
-            <a:r>
-              <a:rPr lang="en-US" sz="1400" dirty="0" smtClean="0">
-                <a:solidFill>
-                  <a:schemeClr val="tx1">
-                    <a:lumMod val="50000"/>
-                  </a:schemeClr>
-                </a:solidFill>
-              </a:rPr>
-              <a:t>Feedback from SFC WG appreciated, especially on open questions</a:t>
-            </a:r>
-          </a:p>
-          <a:p>
-            <a:pPr lvl="1"/>
-            <a:r>
-              <a:rPr lang="en-US" sz="1400" dirty="0" smtClean="0">
-                <a:solidFill>
-                  <a:schemeClr val="tx1">
-                    <a:lumMod val="50000"/>
-                  </a:schemeClr>
-                </a:solidFill>
-              </a:rPr>
-              <a:t>WG adoption</a:t>
-            </a:r>
-            <a:r>
-              <a:rPr lang="en-US" sz="1400" dirty="0" smtClean="0">
-                <a:solidFill>
-                  <a:schemeClr val="tx1">
-                    <a:lumMod val="50000"/>
-                  </a:schemeClr>
-                </a:solidFill>
-              </a:rPr>
-              <a:t>?</a:t>
-            </a:r>
-          </a:p>
-          <a:p>
-            <a:r>
-              <a:rPr lang="en-US" sz="1600" dirty="0" smtClean="0">
-                <a:solidFill>
-                  <a:schemeClr val="tx1">
-                    <a:lumMod val="50000"/>
-                  </a:schemeClr>
-                </a:solidFill>
-              </a:rPr>
-              <a:t>IOAM Proof of Transit</a:t>
-            </a:r>
-          </a:p>
-          <a:p>
-            <a:pPr lvl="1"/>
-            <a:r>
-              <a:rPr lang="en-US" sz="1400" dirty="0" smtClean="0">
-                <a:solidFill>
-                  <a:schemeClr val="tx1">
-                    <a:lumMod val="50000"/>
-                  </a:schemeClr>
-                </a:solidFill>
-              </a:rPr>
-              <a:t>Consider WG adoption</a:t>
-            </a:r>
-            <a:endParaRPr lang="en-US" sz="1400" dirty="0" smtClean="0">
+              <a:t>…</a:t>
+            </a:r>
+            <a:endParaRPr lang="en-US" sz="2400" dirty="0" smtClean="0">
               <a:solidFill>
                 <a:schemeClr val="tx1">
                   <a:lumMod val="50000"/>
@@ -18947,15 +19083,7 @@
           <a:p>
             <a:r>
               <a:rPr lang="de-DE" dirty="0" smtClean="0"/>
-              <a:t>Status and next </a:t>
-            </a:r>
-            <a:r>
-              <a:rPr lang="de-DE" dirty="0"/>
-              <a:t>s</a:t>
-            </a:r>
-            <a:r>
-              <a:rPr lang="de-DE" dirty="0" smtClean="0"/>
-              <a:t>teps</a:t>
+              <a:t>Status</a:t>
             </a:r>
             <a:endParaRPr lang="de-DE" dirty="0"/>
           </a:p>
@@ -18965,6 +19093,191 @@
     <p:extLst>
       <p:ext uri="{BB962C8B-B14F-4D97-AF65-F5344CB8AC3E}">
         <p14:creationId xmlns:p14="http://schemas.microsoft.com/office/powerpoint/2010/main" val="3070521832"/>
+      </p:ext>
+    </p:extLst>
+  </p:cSld>
+  <p:clrMapOvr>
+    <a:masterClrMapping/>
+  </p:clrMapOvr>
+  <p:transition spd="med">
+    <p:fade/>
+  </p:transition>
+  <p:timing>
+    <p:tnLst>
+      <p:par>
+        <p:cTn id="1" dur="indefinite" restart="never" nodeType="tmRoot"/>
+      </p:par>
+    </p:tnLst>
+  </p:timing>
+</p:sld>
+</file>
+
+<file path=ppt/slides/slide7.xml><?xml version="1.0" encoding="utf-8"?>
+<p:sld xmlns:a="http://schemas.openxmlformats.org/drawingml/2006/main" xmlns:r="http://schemas.openxmlformats.org/officeDocument/2006/relationships" xmlns:p="http://schemas.openxmlformats.org/presentationml/2006/main">
+  <p:cSld>
+    <p:spTree>
+      <p:nvGrpSpPr>
+        <p:cNvPr id="1" name=""/>
+        <p:cNvGrpSpPr/>
+        <p:nvPr/>
+      </p:nvGrpSpPr>
+      <p:grpSpPr>
+        <a:xfrm>
+          <a:off x="0" y="0"/>
+          <a:ext cx="0" cy="0"/>
+          <a:chOff x="0" y="0"/>
+          <a:chExt cx="0" cy="0"/>
+        </a:xfrm>
+      </p:grpSpPr>
+      <p:sp>
+        <p:nvSpPr>
+          <p:cNvPr id="8" name="Text Placeholder 7"/>
+          <p:cNvSpPr>
+            <a:spLocks noGrp="1"/>
+          </p:cNvSpPr>
+          <p:nvPr>
+            <p:ph type="body" sz="quarter" idx="10"/>
+          </p:nvPr>
+        </p:nvSpPr>
+        <p:spPr>
+          <a:xfrm>
+            <a:off x="462301" y="1046453"/>
+            <a:ext cx="8277344" cy="3951573"/>
+          </a:xfrm>
+        </p:spPr>
+        <p:txBody>
+          <a:bodyPr/>
+          <a:lstStyle/>
+          <a:p>
+            <a:r>
+              <a:rPr lang="en-US" sz="2400" dirty="0" smtClean="0">
+                <a:solidFill>
+                  <a:schemeClr val="tx1">
+                    <a:lumMod val="50000"/>
+                  </a:schemeClr>
+                </a:solidFill>
+              </a:rPr>
+              <a:t>IOAM </a:t>
+            </a:r>
+            <a:r>
+              <a:rPr lang="en-US" sz="2400" dirty="0" smtClean="0">
+                <a:solidFill>
+                  <a:schemeClr val="tx1">
+                    <a:lumMod val="50000"/>
+                  </a:schemeClr>
+                </a:solidFill>
+              </a:rPr>
+              <a:t>in NSH in SFC WG</a:t>
+            </a:r>
+          </a:p>
+          <a:p>
+            <a:pPr lvl="1"/>
+            <a:r>
+              <a:rPr lang="en-US" sz="2000" dirty="0" smtClean="0">
+                <a:solidFill>
+                  <a:schemeClr val="tx1">
+                    <a:lumMod val="50000"/>
+                  </a:schemeClr>
+                </a:solidFill>
+              </a:rPr>
+              <a:t>Feedback from SFC WG appreciated, especially on open questions</a:t>
+            </a:r>
+          </a:p>
+          <a:p>
+            <a:pPr lvl="1"/>
+            <a:r>
+              <a:rPr lang="en-US" sz="2000" dirty="0" smtClean="0">
+                <a:solidFill>
+                  <a:schemeClr val="tx1">
+                    <a:lumMod val="50000"/>
+                  </a:schemeClr>
+                </a:solidFill>
+              </a:rPr>
+              <a:t>WG adoption</a:t>
+            </a:r>
+            <a:r>
+              <a:rPr lang="en-US" sz="2000" dirty="0" smtClean="0">
+                <a:solidFill>
+                  <a:schemeClr val="tx1">
+                    <a:lumMod val="50000"/>
+                  </a:schemeClr>
+                </a:solidFill>
+              </a:rPr>
+              <a:t>?</a:t>
+            </a:r>
+          </a:p>
+          <a:p>
+            <a:pPr lvl="1"/>
+            <a:endParaRPr lang="en-US" sz="2000" dirty="0" smtClean="0">
+              <a:solidFill>
+                <a:schemeClr val="tx1">
+                  <a:lumMod val="50000"/>
+                </a:schemeClr>
+              </a:solidFill>
+            </a:endParaRPr>
+          </a:p>
+          <a:p>
+            <a:r>
+              <a:rPr lang="en-US" sz="2400" dirty="0" smtClean="0">
+                <a:solidFill>
+                  <a:schemeClr val="tx1">
+                    <a:lumMod val="50000"/>
+                  </a:schemeClr>
+                </a:solidFill>
+              </a:rPr>
+              <a:t>IOAM Proof of Transit</a:t>
+            </a:r>
+          </a:p>
+          <a:p>
+            <a:pPr lvl="1"/>
+            <a:r>
+              <a:rPr lang="en-US" sz="2000" dirty="0" smtClean="0">
+                <a:solidFill>
+                  <a:schemeClr val="tx1">
+                    <a:lumMod val="50000"/>
+                  </a:schemeClr>
+                </a:solidFill>
+              </a:rPr>
+              <a:t>Consider WG adoption</a:t>
+            </a:r>
+          </a:p>
+        </p:txBody>
+      </p:sp>
+      <p:sp>
+        <p:nvSpPr>
+          <p:cNvPr id="7" name="Title 6"/>
+          <p:cNvSpPr>
+            <a:spLocks noGrp="1"/>
+          </p:cNvSpPr>
+          <p:nvPr>
+            <p:ph type="title"/>
+          </p:nvPr>
+        </p:nvSpPr>
+        <p:spPr/>
+        <p:txBody>
+          <a:bodyPr/>
+          <a:lstStyle/>
+          <a:p>
+            <a:r>
+              <a:rPr lang="de-DE" dirty="0" smtClean="0"/>
+              <a:t>Next </a:t>
+            </a:r>
+            <a:r>
+              <a:rPr lang="de-DE" dirty="0"/>
+              <a:t>s</a:t>
+            </a:r>
+            <a:r>
+              <a:rPr lang="de-DE" dirty="0" smtClean="0"/>
+              <a:t>teps</a:t>
+            </a:r>
+            <a:endParaRPr lang="de-DE" dirty="0"/>
+          </a:p>
+        </p:txBody>
+      </p:sp>
+    </p:spTree>
+    <p:extLst>
+      <p:ext uri="{BB962C8B-B14F-4D97-AF65-F5344CB8AC3E}">
+        <p14:creationId xmlns:p14="http://schemas.microsoft.com/office/powerpoint/2010/main" val="1531858416"/>
       </p:ext>
     </p:extLst>
   </p:cSld>
